--- a/ipsa/slides/decorators.pptx
+++ b/ipsa/slides/decorators.pptx
@@ -137,7 +137,7 @@
 <file path=ppt/revisionInfo.xml><?xml version="1.0" encoding="utf-8"?>
 <p1510:revInfo xmlns:a="http://schemas.openxmlformats.org/drawingml/2006/main" xmlns:r="http://schemas.openxmlformats.org/officeDocument/2006/relationships" xmlns:p1510="http://schemas.microsoft.com/office/powerpoint/2015/10/main">
   <p1510:revLst>
-    <p1510:client id="{A92BEAE8-2EDA-457D-83DA-8465CF1F550C}" v="1" dt="2022-03-20T22:46:26.734"/>
+    <p1510:client id="{49DDEC1E-38A8-4C37-8499-4049F935AE5A}" v="6" dt="2023-03-10T23:54:40.289"/>
   </p1510:revLst>
 </p1510:revInfo>
 </file>
@@ -186,6 +186,91 @@
           <pc:docMk/>
           <pc:sldMk cId="1665259652" sldId="741"/>
         </pc:sldMkLst>
+      </pc:sldChg>
+    </pc:docChg>
+  </pc:docChgLst>
+  <pc:docChgLst>
+    <pc:chgData name="Gerth Stølting Brodal" userId="04ef4784-6591-4f86-a140-f5c3b108582a" providerId="ADAL" clId="{49DDEC1E-38A8-4C37-8499-4049F935AE5A}"/>
+    <pc:docChg chg="undo custSel modSld">
+      <pc:chgData name="Gerth Stølting Brodal" userId="04ef4784-6591-4f86-a140-f5c3b108582a" providerId="ADAL" clId="{49DDEC1E-38A8-4C37-8499-4049F935AE5A}" dt="2023-03-10T23:55:09.257" v="75" actId="20577"/>
+      <pc:docMkLst>
+        <pc:docMk/>
+      </pc:docMkLst>
+      <pc:sldChg chg="modSp mod">
+        <pc:chgData name="Gerth Stølting Brodal" userId="04ef4784-6591-4f86-a140-f5c3b108582a" providerId="ADAL" clId="{49DDEC1E-38A8-4C37-8499-4049F935AE5A}" dt="2023-03-10T23:46:02.009" v="21" actId="6549"/>
+        <pc:sldMkLst>
+          <pc:docMk/>
+          <pc:sldMk cId="4266574988" sldId="743"/>
+        </pc:sldMkLst>
+        <pc:graphicFrameChg chg="mod modGraphic">
+          <ac:chgData name="Gerth Stølting Brodal" userId="04ef4784-6591-4f86-a140-f5c3b108582a" providerId="ADAL" clId="{49DDEC1E-38A8-4C37-8499-4049F935AE5A}" dt="2023-03-10T23:46:02.009" v="21" actId="6549"/>
+          <ac:graphicFrameMkLst>
+            <pc:docMk/>
+            <pc:sldMk cId="4266574988" sldId="743"/>
+            <ac:graphicFrameMk id="4" creationId="{00000000-0000-0000-0000-000000000000}"/>
+          </ac:graphicFrameMkLst>
+        </pc:graphicFrameChg>
+      </pc:sldChg>
+      <pc:sldChg chg="modSp mod">
+        <pc:chgData name="Gerth Stølting Brodal" userId="04ef4784-6591-4f86-a140-f5c3b108582a" providerId="ADAL" clId="{49DDEC1E-38A8-4C37-8499-4049F935AE5A}" dt="2023-03-10T23:48:00.193" v="41" actId="313"/>
+        <pc:sldMkLst>
+          <pc:docMk/>
+          <pc:sldMk cId="2191884848" sldId="753"/>
+        </pc:sldMkLst>
+        <pc:graphicFrameChg chg="modGraphic">
+          <ac:chgData name="Gerth Stølting Brodal" userId="04ef4784-6591-4f86-a140-f5c3b108582a" providerId="ADAL" clId="{49DDEC1E-38A8-4C37-8499-4049F935AE5A}" dt="2023-03-10T23:47:58.314" v="39" actId="313"/>
+          <ac:graphicFrameMkLst>
+            <pc:docMk/>
+            <pc:sldMk cId="2191884848" sldId="753"/>
+            <ac:graphicFrameMk id="4" creationId="{00000000-0000-0000-0000-000000000000}"/>
+          </ac:graphicFrameMkLst>
+        </pc:graphicFrameChg>
+        <pc:graphicFrameChg chg="modGraphic">
+          <ac:chgData name="Gerth Stølting Brodal" userId="04ef4784-6591-4f86-a140-f5c3b108582a" providerId="ADAL" clId="{49DDEC1E-38A8-4C37-8499-4049F935AE5A}" dt="2023-03-10T23:48:00.193" v="41" actId="313"/>
+          <ac:graphicFrameMkLst>
+            <pc:docMk/>
+            <pc:sldMk cId="2191884848" sldId="753"/>
+            <ac:graphicFrameMk id="5" creationId="{00000000-0000-0000-0000-000000000000}"/>
+          </ac:graphicFrameMkLst>
+        </pc:graphicFrameChg>
+      </pc:sldChg>
+      <pc:sldChg chg="modSp mod addAnim delAnim">
+        <pc:chgData name="Gerth Stølting Brodal" userId="04ef4784-6591-4f86-a140-f5c3b108582a" providerId="ADAL" clId="{49DDEC1E-38A8-4C37-8499-4049F935AE5A}" dt="2023-03-10T23:46:58.878" v="37" actId="313"/>
+        <pc:sldMkLst>
+          <pc:docMk/>
+          <pc:sldMk cId="276098007" sldId="757"/>
+        </pc:sldMkLst>
+        <pc:graphicFrameChg chg="modGraphic">
+          <ac:chgData name="Gerth Stølting Brodal" userId="04ef4784-6591-4f86-a140-f5c3b108582a" providerId="ADAL" clId="{49DDEC1E-38A8-4C37-8499-4049F935AE5A}" dt="2023-03-10T23:46:36.216" v="31" actId="6549"/>
+          <ac:graphicFrameMkLst>
+            <pc:docMk/>
+            <pc:sldMk cId="276098007" sldId="757"/>
+            <ac:graphicFrameMk id="4" creationId="{00000000-0000-0000-0000-000000000000}"/>
+          </ac:graphicFrameMkLst>
+        </pc:graphicFrameChg>
+        <pc:graphicFrameChg chg="modGraphic">
+          <ac:chgData name="Gerth Stølting Brodal" userId="04ef4784-6591-4f86-a140-f5c3b108582a" providerId="ADAL" clId="{49DDEC1E-38A8-4C37-8499-4049F935AE5A}" dt="2023-03-10T23:46:58.878" v="37" actId="313"/>
+          <ac:graphicFrameMkLst>
+            <pc:docMk/>
+            <pc:sldMk cId="276098007" sldId="757"/>
+            <ac:graphicFrameMk id="5" creationId="{00000000-0000-0000-0000-000000000000}"/>
+          </ac:graphicFrameMkLst>
+        </pc:graphicFrameChg>
+      </pc:sldChg>
+      <pc:sldChg chg="modSp mod">
+        <pc:chgData name="Gerth Stølting Brodal" userId="04ef4784-6591-4f86-a140-f5c3b108582a" providerId="ADAL" clId="{49DDEC1E-38A8-4C37-8499-4049F935AE5A}" dt="2023-03-10T23:55:09.257" v="75" actId="20577"/>
+        <pc:sldMkLst>
+          <pc:docMk/>
+          <pc:sldMk cId="886526213" sldId="759"/>
+        </pc:sldMkLst>
+        <pc:graphicFrameChg chg="mod modGraphic">
+          <ac:chgData name="Gerth Stølting Brodal" userId="04ef4784-6591-4f86-a140-f5c3b108582a" providerId="ADAL" clId="{49DDEC1E-38A8-4C37-8499-4049F935AE5A}" dt="2023-03-10T23:55:09.257" v="75" actId="20577"/>
+          <ac:graphicFrameMkLst>
+            <pc:docMk/>
+            <pc:sldMk cId="886526213" sldId="759"/>
+            <ac:graphicFrameMk id="4" creationId="{00000000-0000-0000-0000-000000000000}"/>
+          </ac:graphicFrameMkLst>
+        </pc:graphicFrameChg>
       </pc:sldChg>
     </pc:docChg>
   </pc:docChgLst>
@@ -298,7 +383,7 @@
           <a:p>
             <a:fld id="{FB1A172F-81D4-4DC4-9113-1DBD56EC3646}" type="datetimeFigureOut">
               <a:rPr lang="en-US" smtClean="0"/>
-              <a:t>3/22/2022</a:t>
+              <a:t>3/11/2023</a:t>
             </a:fld>
             <a:endParaRPr lang="en-US"/>
           </a:p>
@@ -1603,7 +1688,7 @@
               <a:t> by </a:t>
             </a:r>
             <a:r>
-              <a:rPr lang="da-DK"/>
+              <a:rPr lang="da-DK" dirty="0" err="1"/>
               <a:t>length</a:t>
             </a:r>
             <a:endParaRPr lang="da-DK" dirty="0"/>
@@ -1963,7 +2048,7 @@
           <a:p>
             <a:fld id="{0560A9CD-0304-4E0B-9E82-E7E0115DE05B}" type="datetimeFigureOut">
               <a:rPr lang="en-US" smtClean="0"/>
-              <a:t>3/22/2022</a:t>
+              <a:t>3/11/2023</a:t>
             </a:fld>
             <a:endParaRPr lang="en-US"/>
           </a:p>
@@ -2131,7 +2216,7 @@
           <a:p>
             <a:fld id="{0560A9CD-0304-4E0B-9E82-E7E0115DE05B}" type="datetimeFigureOut">
               <a:rPr lang="en-US" smtClean="0"/>
-              <a:t>3/22/2022</a:t>
+              <a:t>3/11/2023</a:t>
             </a:fld>
             <a:endParaRPr lang="en-US"/>
           </a:p>
@@ -2309,7 +2394,7 @@
           <a:p>
             <a:fld id="{0560A9CD-0304-4E0B-9E82-E7E0115DE05B}" type="datetimeFigureOut">
               <a:rPr lang="en-US" smtClean="0"/>
-              <a:t>3/22/2022</a:t>
+              <a:t>3/11/2023</a:t>
             </a:fld>
             <a:endParaRPr lang="en-US"/>
           </a:p>
@@ -2492,7 +2577,7 @@
           <a:p>
             <a:fld id="{0560A9CD-0304-4E0B-9E82-E7E0115DE05B}" type="datetimeFigureOut">
               <a:rPr lang="en-US" smtClean="0"/>
-              <a:t>3/22/2022</a:t>
+              <a:t>3/11/2023</a:t>
             </a:fld>
             <a:endParaRPr lang="en-US"/>
           </a:p>
@@ -2737,7 +2822,7 @@
           <a:p>
             <a:fld id="{0560A9CD-0304-4E0B-9E82-E7E0115DE05B}" type="datetimeFigureOut">
               <a:rPr lang="en-US" smtClean="0"/>
-              <a:t>3/22/2022</a:t>
+              <a:t>3/11/2023</a:t>
             </a:fld>
             <a:endParaRPr lang="en-US"/>
           </a:p>
@@ -2966,7 +3051,7 @@
           <a:p>
             <a:fld id="{0560A9CD-0304-4E0B-9E82-E7E0115DE05B}" type="datetimeFigureOut">
               <a:rPr lang="en-US" smtClean="0"/>
-              <a:t>3/22/2022</a:t>
+              <a:t>3/11/2023</a:t>
             </a:fld>
             <a:endParaRPr lang="en-US"/>
           </a:p>
@@ -3330,7 +3415,7 @@
           <a:p>
             <a:fld id="{0560A9CD-0304-4E0B-9E82-E7E0115DE05B}" type="datetimeFigureOut">
               <a:rPr lang="en-US" smtClean="0"/>
-              <a:t>3/22/2022</a:t>
+              <a:t>3/11/2023</a:t>
             </a:fld>
             <a:endParaRPr lang="en-US"/>
           </a:p>
@@ -3447,7 +3532,7 @@
           <a:p>
             <a:fld id="{0560A9CD-0304-4E0B-9E82-E7E0115DE05B}" type="datetimeFigureOut">
               <a:rPr lang="en-US" smtClean="0"/>
-              <a:t>3/22/2022</a:t>
+              <a:t>3/11/2023</a:t>
             </a:fld>
             <a:endParaRPr lang="en-US"/>
           </a:p>
@@ -3542,7 +3627,7 @@
           <a:p>
             <a:fld id="{0560A9CD-0304-4E0B-9E82-E7E0115DE05B}" type="datetimeFigureOut">
               <a:rPr lang="en-US" smtClean="0"/>
-              <a:t>3/22/2022</a:t>
+              <a:t>3/11/2023</a:t>
             </a:fld>
             <a:endParaRPr lang="en-US"/>
           </a:p>
@@ -3817,7 +3902,7 @@
           <a:p>
             <a:fld id="{0560A9CD-0304-4E0B-9E82-E7E0115DE05B}" type="datetimeFigureOut">
               <a:rPr lang="en-US" smtClean="0"/>
-              <a:t>3/22/2022</a:t>
+              <a:t>3/11/2023</a:t>
             </a:fld>
             <a:endParaRPr lang="en-US"/>
           </a:p>
@@ -4069,7 +4154,7 @@
           <a:p>
             <a:fld id="{0560A9CD-0304-4E0B-9E82-E7E0115DE05B}" type="datetimeFigureOut">
               <a:rPr lang="en-US" smtClean="0"/>
-              <a:t>3/22/2022</a:t>
+              <a:t>3/11/2023</a:t>
             </a:fld>
             <a:endParaRPr lang="en-US"/>
           </a:p>
@@ -4280,7 +4365,7 @@
           <a:p>
             <a:fld id="{0560A9CD-0304-4E0B-9E82-E7E0115DE05B}" type="datetimeFigureOut">
               <a:rPr lang="en-US" smtClean="0"/>
-              <a:t>3/22/2022</a:t>
+              <a:t>3/11/2023</a:t>
             </a:fld>
             <a:endParaRPr lang="en-US"/>
           </a:p>
@@ -5497,7 +5582,7 @@
           <p:nvPr>
             <p:extLst>
               <p:ext uri="{D42A27DB-BD31-4B8C-83A1-F6EECF244321}">
-                <p14:modId xmlns:p14="http://schemas.microsoft.com/office/powerpoint/2010/main" val="867393629"/>
+                <p14:modId xmlns:p14="http://schemas.microsoft.com/office/powerpoint/2010/main" val="2813482082"/>
               </p:ext>
             </p:extLst>
           </p:nvPr>
@@ -5703,21 +5788,7 @@
                           <a:latin typeface="Courier New" panose="02070309020205020404" pitchFamily="49" charset="0"/>
                           <a:cs typeface="Courier New" panose="02070309020205020404" pitchFamily="49" charset="0"/>
                         </a:rPr>
-                        <a:t>           "all arguments most be </a:t>
-                      </a:r>
-                      <a:r>
-                        <a:rPr lang="en-US" sz="1400" b="1" dirty="0" err="1">
-                          <a:latin typeface="Courier New" panose="02070309020205020404" pitchFamily="49" charset="0"/>
-                          <a:cs typeface="Courier New" panose="02070309020205020404" pitchFamily="49" charset="0"/>
-                        </a:rPr>
-                        <a:t>int</a:t>
-                      </a:r>
-                      <a:r>
-                        <a:rPr lang="en-US" sz="1400" b="1" dirty="0">
-                          <a:latin typeface="Courier New" panose="02070309020205020404" pitchFamily="49" charset="0"/>
-                          <a:cs typeface="Courier New" panose="02070309020205020404" pitchFamily="49" charset="0"/>
-                        </a:rPr>
-                        <a:t>"</a:t>
+                        <a:t>           'all arguments most be int'</a:t>
                       </a:r>
                     </a:p>
                     <a:p>
@@ -6128,7 +6199,7 @@
           <p:nvPr>
             <p:extLst>
               <p:ext uri="{D42A27DB-BD31-4B8C-83A1-F6EECF244321}">
-                <p14:modId xmlns:p14="http://schemas.microsoft.com/office/powerpoint/2010/main" val="888661878"/>
+                <p14:modId xmlns:p14="http://schemas.microsoft.com/office/powerpoint/2010/main" val="1521086922"/>
               </p:ext>
             </p:extLst>
           </p:nvPr>
@@ -6386,21 +6457,7 @@
                           <a:latin typeface="Courier New" panose="02070309020205020404" pitchFamily="49" charset="0"/>
                           <a:cs typeface="Courier New" panose="02070309020205020404" pitchFamily="49" charset="0"/>
                         </a:rPr>
-                        <a:t>               "all arguments most be </a:t>
-                      </a:r>
-                      <a:r>
-                        <a:rPr lang="en-US" sz="1400" b="1" dirty="0" err="1">
-                          <a:latin typeface="Courier New" panose="02070309020205020404" pitchFamily="49" charset="0"/>
-                          <a:cs typeface="Courier New" panose="02070309020205020404" pitchFamily="49" charset="0"/>
-                        </a:rPr>
-                        <a:t>int</a:t>
-                      </a:r>
-                      <a:r>
-                        <a:rPr lang="en-US" sz="1400" b="1" dirty="0">
-                          <a:latin typeface="Courier New" panose="02070309020205020404" pitchFamily="49" charset="0"/>
-                          <a:cs typeface="Courier New" panose="02070309020205020404" pitchFamily="49" charset="0"/>
-                        </a:rPr>
-                        <a:t>"</a:t>
+                        <a:t>               'all arguments most be int'</a:t>
                       </a:r>
                     </a:p>
                     <a:p>
@@ -8587,7 +8644,7 @@
           <p:nvPr>
             <p:extLst>
               <p:ext uri="{D42A27DB-BD31-4B8C-83A1-F6EECF244321}">
-                <p14:modId xmlns:p14="http://schemas.microsoft.com/office/powerpoint/2010/main" val="1113776501"/>
+                <p14:modId xmlns:p14="http://schemas.microsoft.com/office/powerpoint/2010/main" val="2828635257"/>
               </p:ext>
             </p:extLst>
           </p:nvPr>
@@ -8890,7 +8947,7 @@
                           <a:latin typeface="Courier New" panose="02070309020205020404" pitchFamily="49" charset="0"/>
                           <a:cs typeface="Courier New" panose="02070309020205020404" pitchFamily="49" charset="0"/>
                         </a:rPr>
-                        <a:t>),\</a:t>
+                        <a:t>), \</a:t>
                       </a:r>
                     </a:p>
                     <a:p>
@@ -8899,13 +8956,27 @@
                           <a:latin typeface="Courier New" panose="02070309020205020404" pitchFamily="49" charset="0"/>
                           <a:cs typeface="Courier New" panose="02070309020205020404" pitchFamily="49" charset="0"/>
                         </a:rPr>
-                        <a:t>                   ("got %s arguments, expected %s" % (</a:t>
+                        <a:t>                   </a:t>
                       </a:r>
                       <a:r>
                         <a:rPr lang="en-US" sz="1600" b="1" dirty="0" err="1">
                           <a:latin typeface="Courier New" panose="02070309020205020404" pitchFamily="49" charset="0"/>
                           <a:cs typeface="Courier New" panose="02070309020205020404" pitchFamily="49" charset="0"/>
                         </a:rPr>
+                        <a:t>f'got</a:t>
+                      </a:r>
+                      <a:r>
+                        <a:rPr lang="en-US" sz="1600" b="1" dirty="0">
+                          <a:latin typeface="Courier New" panose="02070309020205020404" pitchFamily="49" charset="0"/>
+                          <a:cs typeface="Courier New" panose="02070309020205020404" pitchFamily="49" charset="0"/>
+                        </a:rPr>
+                        <a:t> {</a:t>
+                      </a:r>
+                      <a:r>
+                        <a:rPr lang="en-US" sz="1600" b="1" dirty="0" err="1">
+                          <a:latin typeface="Courier New" panose="02070309020205020404" pitchFamily="49" charset="0"/>
+                          <a:cs typeface="Courier New" panose="02070309020205020404" pitchFamily="49" charset="0"/>
+                        </a:rPr>
                         <a:t>len</a:t>
                       </a:r>
                       <a:r>
@@ -8927,7 +8998,7 @@
                           <a:latin typeface="Courier New" panose="02070309020205020404" pitchFamily="49" charset="0"/>
                           <a:cs typeface="Courier New" panose="02070309020205020404" pitchFamily="49" charset="0"/>
                         </a:rPr>
-                        <a:t>), </a:t>
+                        <a:t>)} arguments, expected {</a:t>
                       </a:r>
                       <a:r>
                         <a:rPr lang="en-US" sz="1600" b="1" dirty="0" err="1">
@@ -8951,62 +9022,66 @@
                         <a:t>decorator_args</a:t>
                       </a:r>
                       <a:r>
+                        <a:rPr lang="en-US" sz="1600" b="1">
+                          <a:latin typeface="Courier New" panose="02070309020205020404" pitchFamily="49" charset="0"/>
+                          <a:cs typeface="Courier New" panose="02070309020205020404" pitchFamily="49" charset="0"/>
+                        </a:rPr>
+                        <a:t>)}'</a:t>
+                      </a:r>
+                      <a:endParaRPr lang="en-US" sz="1600" b="1" dirty="0">
+                        <a:latin typeface="Courier New" panose="02070309020205020404" pitchFamily="49" charset="0"/>
+                        <a:cs typeface="Courier New" panose="02070309020205020404" pitchFamily="49" charset="0"/>
+                      </a:endParaRPr>
+                    </a:p>
+                    <a:p>
+                      <a:r>
                         <a:rPr lang="en-US" sz="1600" b="1" dirty="0">
                           <a:latin typeface="Courier New" panose="02070309020205020404" pitchFamily="49" charset="0"/>
                           <a:cs typeface="Courier New" panose="02070309020205020404" pitchFamily="49" charset="0"/>
                         </a:rPr>
-                        <a:t>)))</a:t>
-                      </a:r>
-                    </a:p>
-                    <a:p>
+                        <a:t>            assert all([</a:t>
+                      </a:r>
+                      <a:r>
+                        <a:rPr lang="en-US" sz="1600" b="1" dirty="0" err="1">
+                          <a:latin typeface="Courier New" panose="02070309020205020404" pitchFamily="49" charset="0"/>
+                          <a:cs typeface="Courier New" panose="02070309020205020404" pitchFamily="49" charset="0"/>
+                        </a:rPr>
+                        <a:t>isinstance</a:t>
+                      </a:r>
                       <a:r>
                         <a:rPr lang="en-US" sz="1600" b="1" dirty="0">
                           <a:latin typeface="Courier New" panose="02070309020205020404" pitchFamily="49" charset="0"/>
                           <a:cs typeface="Courier New" panose="02070309020205020404" pitchFamily="49" charset="0"/>
                         </a:rPr>
-                        <a:t>            assert all([</a:t>
+                        <a:t>(x, t) for x, t in zip(</a:t>
                       </a:r>
                       <a:r>
                         <a:rPr lang="en-US" sz="1600" b="1" dirty="0" err="1">
                           <a:latin typeface="Courier New" panose="02070309020205020404" pitchFamily="49" charset="0"/>
                           <a:cs typeface="Courier New" panose="02070309020205020404" pitchFamily="49" charset="0"/>
                         </a:rPr>
-                        <a:t>isinstance</a:t>
+                        <a:t>args</a:t>
                       </a:r>
                       <a:r>
                         <a:rPr lang="en-US" sz="1600" b="1" dirty="0">
                           <a:latin typeface="Courier New" panose="02070309020205020404" pitchFamily="49" charset="0"/>
                           <a:cs typeface="Courier New" panose="02070309020205020404" pitchFamily="49" charset="0"/>
                         </a:rPr>
-                        <a:t>(x, t) for x, t in zip(</a:t>
+                        <a:t>, </a:t>
                       </a:r>
                       <a:r>
                         <a:rPr lang="en-US" sz="1600" b="1" dirty="0" err="1">
                           <a:latin typeface="Courier New" panose="02070309020205020404" pitchFamily="49" charset="0"/>
                           <a:cs typeface="Courier New" panose="02070309020205020404" pitchFamily="49" charset="0"/>
                         </a:rPr>
-                        <a:t>args</a:t>
+                        <a:t>decorator_args</a:t>
                       </a:r>
                       <a:r>
                         <a:rPr lang="en-US" sz="1600" b="1" dirty="0">
                           <a:latin typeface="Courier New" panose="02070309020205020404" pitchFamily="49" charset="0"/>
                           <a:cs typeface="Courier New" panose="02070309020205020404" pitchFamily="49" charset="0"/>
                         </a:rPr>
-                        <a:t>, </a:t>
-                      </a:r>
-                      <a:r>
-                        <a:rPr lang="en-US" sz="1600" b="1" dirty="0" err="1">
-                          <a:latin typeface="Courier New" panose="02070309020205020404" pitchFamily="49" charset="0"/>
-                          <a:cs typeface="Courier New" panose="02070309020205020404" pitchFamily="49" charset="0"/>
-                        </a:rPr>
-                        <a:t>decorator_args</a:t>
-                      </a:r>
-                      <a:r>
-                        <a:rPr lang="en-US" sz="1600" b="1" dirty="0">
-                          <a:latin typeface="Courier New" panose="02070309020205020404" pitchFamily="49" charset="0"/>
-                          <a:cs typeface="Courier New" panose="02070309020205020404" pitchFamily="49" charset="0"/>
-                        </a:rPr>
-                        <a:t>)]),\</a:t>
+                        <a:t>)]), \</a:t>
                       </a:r>
                     </a:p>
                     <a:p>
@@ -9020,7 +9095,7 @@
                           <a:latin typeface="Courier New" panose="02070309020205020404" pitchFamily="49" charset="0"/>
                           <a:cs typeface="Courier New" panose="02070309020205020404" pitchFamily="49" charset="0"/>
                         </a:rPr>
-                        <a:t>                   "unexpected types"         </a:t>
+                        <a:t>                   'unexpected types'         </a:t>
                       </a:r>
                     </a:p>
                     <a:p>
@@ -9256,7 +9331,7 @@
                           <a:latin typeface="Courier New" panose="02070309020205020404" pitchFamily="49" charset="0"/>
                           <a:cs typeface="Courier New" panose="02070309020205020404" pitchFamily="49" charset="0"/>
                         </a:rPr>
-                        <a:t>("Hello ", 3)</a:t>
+                        <a:t>('Hello ', 3)</a:t>
                       </a:r>
                     </a:p>
                     <a:p>
@@ -9277,7 +9352,7 @@
                           <a:latin typeface="Courier New" panose="02070309020205020404" pitchFamily="49" charset="0"/>
                           <a:cs typeface="Courier New" panose="02070309020205020404" pitchFamily="49" charset="0"/>
                         </a:rPr>
-                        <a:t>("Hello ", "world")</a:t>
+                        <a:t>('Hello ', 'world')</a:t>
                       </a:r>
                     </a:p>
                   </a:txBody>
@@ -10324,7 +10399,7 @@
           <p:nvPr>
             <p:extLst>
               <p:ext uri="{D42A27DB-BD31-4B8C-83A1-F6EECF244321}">
-                <p14:modId xmlns:p14="http://schemas.microsoft.com/office/powerpoint/2010/main" val="4137369893"/>
+                <p14:modId xmlns:p14="http://schemas.microsoft.com/office/powerpoint/2010/main" val="2069968495"/>
               </p:ext>
             </p:extLst>
           </p:nvPr>
@@ -10724,7 +10799,7 @@
                           <a:latin typeface="Courier New" panose="02070309020205020404" pitchFamily="49" charset="0"/>
                           <a:cs typeface="Courier New" panose="02070309020205020404" pitchFamily="49" charset="0"/>
                         </a:rPr>
-                        <a:t>        print("%s took %.2f sec" % (</a:t>
+                        <a:t>        print(f'{</a:t>
                       </a:r>
                       <a:r>
                         <a:rPr lang="en-US" sz="1600" b="1" dirty="0" err="1">
@@ -10738,7 +10813,7 @@
                           <a:latin typeface="Courier New" panose="02070309020205020404" pitchFamily="49" charset="0"/>
                           <a:cs typeface="Courier New" panose="02070309020205020404" pitchFamily="49" charset="0"/>
                         </a:rPr>
-                        <a:t>__, t))</a:t>
+                        <a:t>__} took {t:.2f} seconds')</a:t>
                       </a:r>
                     </a:p>
                     <a:p>
@@ -10887,7 +10962,7 @@
                           <a:latin typeface="Courier New" panose="02070309020205020404" pitchFamily="49" charset="0"/>
                           <a:cs typeface="Courier New" panose="02070309020205020404" pitchFamily="49" charset="0"/>
                         </a:rPr>
-                        <a:t>    print("The sum is:", sum_)</a:t>
+                        <a:t>    print('The sum is:', sum_)</a:t>
                       </a:r>
                     </a:p>
                     <a:p>
@@ -30725,7 +30800,7 @@
           <p:nvPr>
             <p:extLst>
               <p:ext uri="{D42A27DB-BD31-4B8C-83A1-F6EECF244321}">
-                <p14:modId xmlns:p14="http://schemas.microsoft.com/office/powerpoint/2010/main" val="2952365927"/>
+                <p14:modId xmlns:p14="http://schemas.microsoft.com/office/powerpoint/2010/main" val="944419117"/>
               </p:ext>
             </p:extLst>
           </p:nvPr>
@@ -31024,7 +31099,7 @@
                           <a:latin typeface="Courier New" panose="02070309020205020404" pitchFamily="49" charset="0"/>
                           <a:cs typeface="Courier New" panose="02070309020205020404" pitchFamily="49" charset="0"/>
                         </a:rPr>
-                        <a:t>    print("Hello world")</a:t>
+                        <a:t>    print('Hello world')</a:t>
                       </a:r>
                     </a:p>
                     <a:p>
@@ -31325,7 +31400,7 @@
           <p:nvPr>
             <p:extLst>
               <p:ext uri="{D42A27DB-BD31-4B8C-83A1-F6EECF244321}">
-                <p14:modId xmlns:p14="http://schemas.microsoft.com/office/powerpoint/2010/main" val="1574621301"/>
+                <p14:modId xmlns:p14="http://schemas.microsoft.com/office/powerpoint/2010/main" val="2255738174"/>
               </p:ext>
             </p:extLst>
           </p:nvPr>
@@ -31698,7 +31773,7 @@
                           <a:latin typeface="Courier New" panose="02070309020205020404" pitchFamily="49" charset="0"/>
                           <a:cs typeface="Courier New" panose="02070309020205020404" pitchFamily="49" charset="0"/>
                         </a:rPr>
-                        <a:t>    print("Hello world")</a:t>
+                        <a:t>    print('Hello world')</a:t>
                       </a:r>
                     </a:p>
                     <a:p>
@@ -31776,7 +31851,7 @@
                           <a:latin typeface="Courier New" panose="02070309020205020404" pitchFamily="49" charset="0"/>
                           <a:cs typeface="Courier New" panose="02070309020205020404" pitchFamily="49" charset="0"/>
                         </a:rPr>
-                        <a:t>    print("Hello", txt)</a:t>
+                        <a:t>    print('Hello', txt)</a:t>
                       </a:r>
                     </a:p>
                     <a:p>
@@ -31818,7 +31893,7 @@
                           <a:latin typeface="Courier New" panose="02070309020205020404" pitchFamily="49" charset="0"/>
                           <a:cs typeface="Courier New" panose="02070309020205020404" pitchFamily="49" charset="0"/>
                         </a:rPr>
-                        <a:t>("Mars")</a:t>
+                        <a:t>('Mars')</a:t>
                       </a:r>
                     </a:p>
                   </a:txBody>

--- a/ipsa/slides/decorators.pptx
+++ b/ipsa/slides/decorators.pptx
@@ -191,11 +191,25 @@
   </pc:docChgLst>
   <pc:docChgLst>
     <pc:chgData name="Gerth Stølting Brodal" userId="04ef4784-6591-4f86-a140-f5c3b108582a" providerId="ADAL" clId="{49DDEC1E-38A8-4C37-8499-4049F935AE5A}"/>
-    <pc:docChg chg="undo custSel modSld">
-      <pc:chgData name="Gerth Stølting Brodal" userId="04ef4784-6591-4f86-a140-f5c3b108582a" providerId="ADAL" clId="{49DDEC1E-38A8-4C37-8499-4049F935AE5A}" dt="2023-03-10T23:55:09.257" v="75" actId="20577"/>
+    <pc:docChg chg="undo redo custSel modSld">
+      <pc:chgData name="Gerth Stølting Brodal" userId="04ef4784-6591-4f86-a140-f5c3b108582a" providerId="ADAL" clId="{49DDEC1E-38A8-4C37-8499-4049F935AE5A}" dt="2023-03-19T18:01:10.702" v="320" actId="6549"/>
       <pc:docMkLst>
         <pc:docMk/>
       </pc:docMkLst>
+      <pc:sldChg chg="modNotesTx">
+        <pc:chgData name="Gerth Stølting Brodal" userId="04ef4784-6591-4f86-a140-f5c3b108582a" providerId="ADAL" clId="{49DDEC1E-38A8-4C37-8499-4049F935AE5A}" dt="2023-03-18T02:05:02.904" v="271" actId="20577"/>
+        <pc:sldMkLst>
+          <pc:docMk/>
+          <pc:sldMk cId="1986006132" sldId="478"/>
+        </pc:sldMkLst>
+      </pc:sldChg>
+      <pc:sldChg chg="modNotesTx">
+        <pc:chgData name="Gerth Stølting Brodal" userId="04ef4784-6591-4f86-a140-f5c3b108582a" providerId="ADAL" clId="{49DDEC1E-38A8-4C37-8499-4049F935AE5A}" dt="2023-03-18T02:06:20.087" v="278" actId="20577"/>
+        <pc:sldMkLst>
+          <pc:docMk/>
+          <pc:sldMk cId="27977411" sldId="742"/>
+        </pc:sldMkLst>
+      </pc:sldChg>
       <pc:sldChg chg="modSp mod">
         <pc:chgData name="Gerth Stølting Brodal" userId="04ef4784-6591-4f86-a140-f5c3b108582a" providerId="ADAL" clId="{49DDEC1E-38A8-4C37-8499-4049F935AE5A}" dt="2023-03-10T23:46:02.009" v="21" actId="6549"/>
         <pc:sldMkLst>
@@ -271,6 +285,20 @@
             <ac:graphicFrameMk id="4" creationId="{00000000-0000-0000-0000-000000000000}"/>
           </ac:graphicFrameMkLst>
         </pc:graphicFrameChg>
+      </pc:sldChg>
+      <pc:sldChg chg="modNotesTx">
+        <pc:chgData name="Gerth Stølting Brodal" userId="04ef4784-6591-4f86-a140-f5c3b108582a" providerId="ADAL" clId="{49DDEC1E-38A8-4C37-8499-4049F935AE5A}" dt="2023-03-19T18:01:10.702" v="320" actId="6549"/>
+        <pc:sldMkLst>
+          <pc:docMk/>
+          <pc:sldMk cId="3101050196" sldId="761"/>
+        </pc:sldMkLst>
+      </pc:sldChg>
+      <pc:sldChg chg="modNotesTx">
+        <pc:chgData name="Gerth Stølting Brodal" userId="04ef4784-6591-4f86-a140-f5c3b108582a" providerId="ADAL" clId="{49DDEC1E-38A8-4C37-8499-4049F935AE5A}" dt="2023-03-18T02:42:23.457" v="313" actId="20577"/>
+        <pc:sldMkLst>
+          <pc:docMk/>
+          <pc:sldMk cId="907462681" sldId="764"/>
+        </pc:sldMkLst>
       </pc:sldChg>
     </pc:docChg>
   </pc:docChgLst>
@@ -383,7 +411,7 @@
           <a:p>
             <a:fld id="{FB1A172F-81D4-4DC4-9113-1DBD56EC3646}" type="datetimeFigureOut">
               <a:rPr lang="en-US" smtClean="0"/>
-              <a:t>3/11/2023</a:t>
+              <a:t>3/19/2023</a:t>
             </a:fld>
             <a:endParaRPr lang="en-US"/>
           </a:p>
@@ -695,59 +723,217 @@
           <a:lstStyle/>
           <a:p>
             <a:r>
-              <a:rPr lang="da-DK" dirty="0"/>
-              <a:t>Vi er nu kommet til emnet </a:t>
-            </a:r>
-            <a:r>
-              <a:rPr lang="da-DK" dirty="0" err="1"/>
-              <a:t>decorators</a:t>
-            </a:r>
-            <a:r>
-              <a:rPr lang="da-DK" baseline="0" dirty="0"/>
-              <a:t> – men inden da </a:t>
-            </a:r>
-            <a:r>
-              <a:rPr lang="da-DK" dirty="0"/>
-              <a:t>lad</a:t>
-            </a:r>
-            <a:r>
-              <a:rPr lang="da-DK" baseline="0" dirty="0"/>
-              <a:t> os få en oversigt over kurset emner indtil videre og fremadrettet.</a:t>
+              <a:rPr lang="en-US" dirty="0"/>
+              <a:t>@ is also an operator used for multiplying matrices in </a:t>
+            </a:r>
+            <a:r>
+              <a:rPr lang="en-US" dirty="0" err="1"/>
+              <a:t>Numpy</a:t>
+            </a:r>
+            <a:r>
+              <a:rPr lang="en-US" dirty="0"/>
+              <a:t>, class method __</a:t>
+            </a:r>
+            <a:r>
+              <a:rPr lang="en-US" dirty="0" err="1"/>
+              <a:t>matmult</a:t>
+            </a:r>
+            <a:r>
+              <a:rPr lang="en-US" dirty="0"/>
+              <a:t>__</a:t>
+            </a:r>
+          </a:p>
+          <a:p>
+            <a:endParaRPr lang="en-US" dirty="0"/>
+          </a:p>
+          <a:p>
+            <a:r>
+              <a:rPr lang="en-US" dirty="0" err="1"/>
+              <a:t>Gutag</a:t>
+            </a:r>
+            <a:r>
+              <a:rPr lang="en-US" dirty="0"/>
+              <a:t> 3</a:t>
+            </a:r>
+            <a:r>
+              <a:rPr lang="en-US" baseline="30000" dirty="0"/>
+              <a:t>rd</a:t>
+            </a:r>
+            <a:r>
+              <a:rPr lang="en-US" dirty="0"/>
+              <a:t> Edition does not mention decorators</a:t>
             </a:r>
           </a:p>
           <a:p>
             <a:endParaRPr lang="da-DK" dirty="0"/>
           </a:p>
+        </p:txBody>
+      </p:sp>
+      <p:sp>
+        <p:nvSpPr>
+          <p:cNvPr id="4" name="Slide Number Placeholder 3"/>
+          <p:cNvSpPr>
+            <a:spLocks noGrp="1"/>
+          </p:cNvSpPr>
+          <p:nvPr>
+            <p:ph type="sldNum" sz="quarter" idx="5"/>
+          </p:nvPr>
+        </p:nvSpPr>
+        <p:spPr/>
+        <p:txBody>
+          <a:bodyPr/>
+          <a:lstStyle/>
           <a:p>
-            <a:r>
-              <a:rPr lang="da-DK" dirty="0" err="1"/>
-              <a:t>Guttag</a:t>
-            </a:r>
-            <a:r>
-              <a:rPr lang="da-DK" dirty="0"/>
-              <a:t> book </a:t>
-            </a:r>
-            <a:r>
-              <a:rPr lang="da-DK" dirty="0" err="1"/>
-              <a:t>does</a:t>
-            </a:r>
-            <a:r>
-              <a:rPr lang="da-DK" baseline="0" dirty="0"/>
-              <a:t> not </a:t>
-            </a:r>
-            <a:r>
-              <a:rPr lang="da-DK" baseline="0" dirty="0" err="1"/>
-              <a:t>discuss</a:t>
-            </a:r>
-            <a:r>
-              <a:rPr lang="da-DK" baseline="0" dirty="0"/>
-              <a:t> </a:t>
-            </a:r>
-            <a:r>
-              <a:rPr lang="da-DK" baseline="0" dirty="0" err="1"/>
-              <a:t>Deocrators</a:t>
-            </a:r>
+            <a:fld id="{CD563DD8-32AB-41BE-B1C6-8EAC45222ACE}" type="slidenum">
+              <a:rPr lang="en-US" smtClean="0"/>
+              <a:t>1</a:t>
+            </a:fld>
+            <a:endParaRPr lang="en-US"/>
+          </a:p>
+        </p:txBody>
+      </p:sp>
+    </p:spTree>
+    <p:extLst>
+      <p:ext uri="{BB962C8B-B14F-4D97-AF65-F5344CB8AC3E}">
+        <p14:creationId xmlns:p14="http://schemas.microsoft.com/office/powerpoint/2010/main" val="2330877383"/>
+      </p:ext>
+    </p:extLst>
+  </p:cSld>
+  <p:clrMapOvr>
+    <a:masterClrMapping/>
+  </p:clrMapOvr>
+</p:notes>
+</file>
+
+<file path=ppt/notesSlides/notesSlide10.xml><?xml version="1.0" encoding="utf-8"?>
+<p:notes xmlns:a="http://schemas.openxmlformats.org/drawingml/2006/main" xmlns:r="http://schemas.openxmlformats.org/officeDocument/2006/relationships" xmlns:p="http://schemas.openxmlformats.org/presentationml/2006/main">
+  <p:cSld>
+    <p:spTree>
+      <p:nvGrpSpPr>
+        <p:cNvPr id="1" name=""/>
+        <p:cNvGrpSpPr/>
+        <p:nvPr/>
+      </p:nvGrpSpPr>
+      <p:grpSpPr>
+        <a:xfrm>
+          <a:off x="0" y="0"/>
+          <a:ext cx="0" cy="0"/>
+          <a:chOff x="0" y="0"/>
+          <a:chExt cx="0" cy="0"/>
+        </a:xfrm>
+      </p:grpSpPr>
+      <p:sp>
+        <p:nvSpPr>
+          <p:cNvPr id="2" name="Slide Image Placeholder 1"/>
+          <p:cNvSpPr>
+            <a:spLocks noGrp="1" noRot="1" noChangeAspect="1"/>
+          </p:cNvSpPr>
+          <p:nvPr>
+            <p:ph type="sldImg"/>
+          </p:nvPr>
+        </p:nvSpPr>
+        <p:spPr/>
+      </p:sp>
+      <p:sp>
+        <p:nvSpPr>
+          <p:cNvPr id="3" name="Notes Placeholder 2"/>
+          <p:cNvSpPr>
+            <a:spLocks noGrp="1"/>
+          </p:cNvSpPr>
+          <p:nvPr>
+            <p:ph type="body" idx="1"/>
+          </p:nvPr>
+        </p:nvSpPr>
+        <p:spPr/>
+        <p:txBody>
+          <a:bodyPr/>
+          <a:lstStyle/>
+          <a:p>
             <a:endParaRPr lang="en-US" dirty="0"/>
+          </a:p>
+        </p:txBody>
+      </p:sp>
+      <p:sp>
+        <p:nvSpPr>
+          <p:cNvPr id="4" name="Slide Number Placeholder 3"/>
+          <p:cNvSpPr>
+            <a:spLocks noGrp="1"/>
+          </p:cNvSpPr>
+          <p:nvPr>
+            <p:ph type="sldNum" sz="quarter" idx="10"/>
+          </p:nvPr>
+        </p:nvSpPr>
+        <p:spPr/>
+        <p:txBody>
+          <a:bodyPr/>
+          <a:lstStyle/>
+          <a:p>
+            <a:fld id="{CD563DD8-32AB-41BE-B1C6-8EAC45222ACE}" type="slidenum">
+              <a:rPr lang="en-US" smtClean="0"/>
+              <a:t>20</a:t>
+            </a:fld>
+            <a:endParaRPr lang="en-US"/>
+          </a:p>
+        </p:txBody>
+      </p:sp>
+    </p:spTree>
+    <p:extLst>
+      <p:ext uri="{BB962C8B-B14F-4D97-AF65-F5344CB8AC3E}">
+        <p14:creationId xmlns:p14="http://schemas.microsoft.com/office/powerpoint/2010/main" val="3222021722"/>
+      </p:ext>
+    </p:extLst>
+  </p:cSld>
+  <p:clrMapOvr>
+    <a:masterClrMapping/>
+  </p:clrMapOvr>
+</p:notes>
+</file>
+
+<file path=ppt/notesSlides/notesSlide2.xml><?xml version="1.0" encoding="utf-8"?>
+<p:notes xmlns:a="http://schemas.openxmlformats.org/drawingml/2006/main" xmlns:r="http://schemas.openxmlformats.org/officeDocument/2006/relationships" xmlns:p="http://schemas.openxmlformats.org/presentationml/2006/main">
+  <p:cSld>
+    <p:spTree>
+      <p:nvGrpSpPr>
+        <p:cNvPr id="1" name=""/>
+        <p:cNvGrpSpPr/>
+        <p:nvPr/>
+      </p:nvGrpSpPr>
+      <p:grpSpPr>
+        <a:xfrm>
+          <a:off x="0" y="0"/>
+          <a:ext cx="0" cy="0"/>
+          <a:chOff x="0" y="0"/>
+          <a:chExt cx="0" cy="0"/>
+        </a:xfrm>
+      </p:grpSpPr>
+      <p:sp>
+        <p:nvSpPr>
+          <p:cNvPr id="2" name="Slide Image Placeholder 1"/>
+          <p:cNvSpPr>
+            <a:spLocks noGrp="1" noRot="1" noChangeAspect="1"/>
+          </p:cNvSpPr>
+          <p:nvPr>
+            <p:ph type="sldImg"/>
+          </p:nvPr>
+        </p:nvSpPr>
+        <p:spPr/>
+      </p:sp>
+      <p:sp>
+        <p:nvSpPr>
+          <p:cNvPr id="3" name="Notes Placeholder 2"/>
+          <p:cNvSpPr>
+            <a:spLocks noGrp="1"/>
+          </p:cNvSpPr>
+          <p:nvPr>
+            <p:ph type="body" idx="1"/>
+          </p:nvPr>
+        </p:nvSpPr>
+        <p:spPr/>
+        <p:txBody>
+          <a:bodyPr/>
+          <a:lstStyle/>
+          <a:p>
+            <a:endParaRPr lang="da-DK" baseline="0" dirty="0"/>
           </a:p>
         </p:txBody>
       </p:sp>
@@ -787,7 +973,7 @@
 </p:notes>
 </file>
 
-<file path=ppt/notesSlides/notesSlide2.xml><?xml version="1.0" encoding="utf-8"?>
+<file path=ppt/notesSlides/notesSlide3.xml><?xml version="1.0" encoding="utf-8"?>
 <p:notes xmlns:a="http://schemas.openxmlformats.org/drawingml/2006/main" xmlns:r="http://schemas.openxmlformats.org/officeDocument/2006/relationships" xmlns:p="http://schemas.openxmlformats.org/presentationml/2006/main">
   <p:cSld>
     <p:spTree>
@@ -871,234 +1057,6 @@
 </p:notes>
 </file>
 
-<file path=ppt/notesSlides/notesSlide3.xml><?xml version="1.0" encoding="utf-8"?>
-<p:notes xmlns:a="http://schemas.openxmlformats.org/drawingml/2006/main" xmlns:r="http://schemas.openxmlformats.org/officeDocument/2006/relationships" xmlns:p="http://schemas.openxmlformats.org/presentationml/2006/main">
-  <p:cSld>
-    <p:spTree>
-      <p:nvGrpSpPr>
-        <p:cNvPr id="1" name=""/>
-        <p:cNvGrpSpPr/>
-        <p:nvPr/>
-      </p:nvGrpSpPr>
-      <p:grpSpPr>
-        <a:xfrm>
-          <a:off x="0" y="0"/>
-          <a:ext cx="0" cy="0"/>
-          <a:chOff x="0" y="0"/>
-          <a:chExt cx="0" cy="0"/>
-        </a:xfrm>
-      </p:grpSpPr>
-      <p:sp>
-        <p:nvSpPr>
-          <p:cNvPr id="2" name="Slide Image Placeholder 1"/>
-          <p:cNvSpPr>
-            <a:spLocks noGrp="1" noRot="1" noChangeAspect="1"/>
-          </p:cNvSpPr>
-          <p:nvPr>
-            <p:ph type="sldImg"/>
-          </p:nvPr>
-        </p:nvSpPr>
-        <p:spPr/>
-      </p:sp>
-      <p:sp>
-        <p:nvSpPr>
-          <p:cNvPr id="3" name="Notes Placeholder 2"/>
-          <p:cNvSpPr>
-            <a:spLocks noGrp="1"/>
-          </p:cNvSpPr>
-          <p:nvPr>
-            <p:ph type="body" idx="1"/>
-          </p:nvPr>
-        </p:nvSpPr>
-        <p:spPr/>
-        <p:txBody>
-          <a:bodyPr/>
-          <a:lstStyle/>
-          <a:p>
-            <a:r>
-              <a:rPr lang="en-US" dirty="0"/>
-              <a:t>&gt;&gt;&gt; </a:t>
-            </a:r>
-            <a:r>
-              <a:rPr lang="en-US" dirty="0" err="1"/>
-              <a:t>def</a:t>
-            </a:r>
-            <a:r>
-              <a:rPr lang="en-US" dirty="0"/>
-              <a:t> f(x):</a:t>
-            </a:r>
-          </a:p>
-          <a:p>
-            <a:r>
-              <a:rPr lang="en-US" dirty="0"/>
-              <a:t>	return 3 * x</a:t>
-            </a:r>
-          </a:p>
-          <a:p>
-            <a:r>
-              <a:rPr lang="en-US" dirty="0"/>
-              <a:t>&gt;&gt;&gt; f(7)</a:t>
-            </a:r>
-          </a:p>
-          <a:p>
-            <a:r>
-              <a:rPr lang="en-US" dirty="0"/>
-              <a:t>21</a:t>
-            </a:r>
-          </a:p>
-          <a:p>
-            <a:r>
-              <a:rPr lang="en-US" dirty="0"/>
-              <a:t>&gt;&gt;&gt; lambda x: x ** 2</a:t>
-            </a:r>
-          </a:p>
-          <a:p>
-            <a:r>
-              <a:rPr lang="en-US" dirty="0"/>
-              <a:t>&lt;function &lt;lambda&gt; at 0x03353148&gt;</a:t>
-            </a:r>
-          </a:p>
-          <a:p>
-            <a:r>
-              <a:rPr lang="en-US" dirty="0"/>
-              <a:t>&gt;&gt;&gt; l = lambda x: x ** 2</a:t>
-            </a:r>
-          </a:p>
-          <a:p>
-            <a:r>
-              <a:rPr lang="en-US" dirty="0"/>
-              <a:t>&gt;&gt;&gt; l(7)</a:t>
-            </a:r>
-          </a:p>
-          <a:p>
-            <a:r>
-              <a:rPr lang="en-US" dirty="0"/>
-              <a:t>49</a:t>
-            </a:r>
-          </a:p>
-          <a:p>
-            <a:r>
-              <a:rPr lang="en-US" dirty="0"/>
-              <a:t>&gt;&gt;&gt; </a:t>
-            </a:r>
-            <a:r>
-              <a:rPr lang="en-US" dirty="0" err="1"/>
-              <a:t>def</a:t>
-            </a:r>
-            <a:r>
-              <a:rPr lang="en-US" dirty="0"/>
-              <a:t> g(f, x):</a:t>
-            </a:r>
-          </a:p>
-          <a:p>
-            <a:r>
-              <a:rPr lang="en-US" dirty="0"/>
-              <a:t>	return f(x) + 1</a:t>
-            </a:r>
-          </a:p>
-          <a:p>
-            <a:r>
-              <a:rPr lang="en-US" dirty="0"/>
-              <a:t>&gt;&gt;&gt; g(f, 7)</a:t>
-            </a:r>
-          </a:p>
-          <a:p>
-            <a:r>
-              <a:rPr lang="en-US" dirty="0"/>
-              <a:t>22</a:t>
-            </a:r>
-          </a:p>
-          <a:p>
-            <a:r>
-              <a:rPr lang="en-US" dirty="0"/>
-              <a:t>&gt;&gt;&gt; </a:t>
-            </a:r>
-            <a:r>
-              <a:rPr lang="en-US" dirty="0" err="1"/>
-              <a:t>def</a:t>
-            </a:r>
-            <a:r>
-              <a:rPr lang="en-US" dirty="0"/>
-              <a:t> h(f):</a:t>
-            </a:r>
-          </a:p>
-          <a:p>
-            <a:r>
-              <a:rPr lang="en-US" dirty="0"/>
-              <a:t>	return lambda x: f(x) + 1</a:t>
-            </a:r>
-          </a:p>
-          <a:p>
-            <a:r>
-              <a:rPr lang="en-US" dirty="0"/>
-              <a:t>&gt;&gt;&gt; h(f)</a:t>
-            </a:r>
-          </a:p>
-          <a:p>
-            <a:r>
-              <a:rPr lang="en-US" dirty="0"/>
-              <a:t>&lt;function h.&lt;locals&gt;.&lt;lambda&gt; at 0x033530B8&gt;</a:t>
-            </a:r>
-          </a:p>
-          <a:p>
-            <a:r>
-              <a:rPr lang="en-US" dirty="0"/>
-              <a:t>&gt;&gt;&gt; k = h(f)</a:t>
-            </a:r>
-          </a:p>
-          <a:p>
-            <a:r>
-              <a:rPr lang="en-US" dirty="0"/>
-              <a:t>&gt;&gt;&gt; k(7)</a:t>
-            </a:r>
-          </a:p>
-          <a:p>
-            <a:r>
-              <a:rPr lang="en-US" dirty="0"/>
-              <a:t>22</a:t>
-            </a:r>
-          </a:p>
-          <a:p>
-            <a:endParaRPr lang="en-US" dirty="0"/>
-          </a:p>
-        </p:txBody>
-      </p:sp>
-      <p:sp>
-        <p:nvSpPr>
-          <p:cNvPr id="4" name="Slide Number Placeholder 3"/>
-          <p:cNvSpPr>
-            <a:spLocks noGrp="1"/>
-          </p:cNvSpPr>
-          <p:nvPr>
-            <p:ph type="sldNum" sz="quarter" idx="10"/>
-          </p:nvPr>
-        </p:nvSpPr>
-        <p:spPr/>
-        <p:txBody>
-          <a:bodyPr/>
-          <a:lstStyle/>
-          <a:p>
-            <a:fld id="{CD563DD8-32AB-41BE-B1C6-8EAC45222ACE}" type="slidenum">
-              <a:rPr lang="en-US" smtClean="0"/>
-              <a:t>4</a:t>
-            </a:fld>
-            <a:endParaRPr lang="en-US"/>
-          </a:p>
-        </p:txBody>
-      </p:sp>
-    </p:spTree>
-    <p:extLst>
-      <p:ext uri="{BB962C8B-B14F-4D97-AF65-F5344CB8AC3E}">
-        <p14:creationId xmlns:p14="http://schemas.microsoft.com/office/powerpoint/2010/main" val="3241589008"/>
-      </p:ext>
-    </p:extLst>
-  </p:cSld>
-  <p:clrMapOvr>
-    <a:masterClrMapping/>
-  </p:clrMapOvr>
-</p:notes>
-</file>
-
 <file path=ppt/notesSlides/notesSlide4.xml><?xml version="1.0" encoding="utf-8"?>
 <p:notes xmlns:a="http://schemas.openxmlformats.org/drawingml/2006/main" xmlns:r="http://schemas.openxmlformats.org/officeDocument/2006/relationships" xmlns:p="http://schemas.openxmlformats.org/presentationml/2006/main">
   <p:cSld>
@@ -1144,101 +1102,149 @@
           <a:lstStyle/>
           <a:p>
             <a:r>
-              <a:rPr lang="da-DK" dirty="0" err="1"/>
-              <a:t>Need</a:t>
-            </a:r>
-            <a:r>
-              <a:rPr lang="da-DK" dirty="0"/>
-              <a:t> the </a:t>
-            </a:r>
-            <a:r>
-              <a:rPr lang="da-DK" dirty="0" err="1"/>
-              <a:t>temporary</a:t>
-            </a:r>
-            <a:r>
-              <a:rPr lang="da-DK" baseline="0" dirty="0"/>
-              <a:t> _</a:t>
-            </a:r>
-            <a:r>
-              <a:rPr lang="da-DK" baseline="0" dirty="0" err="1"/>
-              <a:t>orginal</a:t>
-            </a:r>
-            <a:r>
-              <a:rPr lang="da-DK" baseline="0" dirty="0"/>
-              <a:t> variables in plus_one3 – </a:t>
-            </a:r>
-            <a:r>
-              <a:rPr lang="da-DK" baseline="0" dirty="0" err="1"/>
-              <a:t>otherwise</a:t>
-            </a:r>
-            <a:r>
-              <a:rPr lang="da-DK" baseline="0" dirty="0"/>
-              <a:t> </a:t>
-            </a:r>
-            <a:r>
-              <a:rPr lang="da-DK" baseline="0" dirty="0" err="1"/>
-              <a:t>we</a:t>
-            </a:r>
-            <a:r>
-              <a:rPr lang="da-DK" baseline="0" dirty="0"/>
-              <a:t> </a:t>
-            </a:r>
-            <a:r>
-              <a:rPr lang="da-DK" baseline="0" dirty="0" err="1"/>
-              <a:t>will</a:t>
-            </a:r>
-            <a:r>
-              <a:rPr lang="da-DK" baseline="0" dirty="0"/>
-              <a:t> generate </a:t>
-            </a:r>
-            <a:r>
-              <a:rPr lang="da-DK" baseline="0" dirty="0" err="1"/>
-              <a:t>infinite</a:t>
-            </a:r>
-            <a:r>
-              <a:rPr lang="da-DK" baseline="0" dirty="0"/>
-              <a:t> </a:t>
-            </a:r>
-            <a:r>
-              <a:rPr lang="da-DK" baseline="0" dirty="0" err="1"/>
-              <a:t>recursive</a:t>
-            </a:r>
-            <a:r>
-              <a:rPr lang="da-DK" baseline="0" dirty="0"/>
-              <a:t> </a:t>
-            </a:r>
-            <a:r>
-              <a:rPr lang="da-DK" baseline="0" dirty="0" err="1"/>
-              <a:t>calls</a:t>
-            </a:r>
-            <a:r>
-              <a:rPr lang="da-DK" baseline="0" dirty="0"/>
-              <a:t> (and </a:t>
-            </a:r>
-            <a:r>
-              <a:rPr lang="da-DK" baseline="0" dirty="0" err="1"/>
-              <a:t>get</a:t>
-            </a:r>
-            <a:r>
-              <a:rPr lang="da-DK" baseline="0" dirty="0"/>
-              <a:t> </a:t>
-            </a:r>
-            <a:r>
-              <a:rPr lang="da-DK" baseline="0" dirty="0" err="1"/>
-              <a:t>stack</a:t>
-            </a:r>
-            <a:r>
-              <a:rPr lang="da-DK" baseline="0" dirty="0"/>
-              <a:t> </a:t>
-            </a:r>
-            <a:r>
-              <a:rPr lang="da-DK" baseline="0" dirty="0" err="1"/>
-              <a:t>overflow</a:t>
-            </a:r>
-            <a:r>
-              <a:rPr lang="da-DK" baseline="0" dirty="0"/>
-              <a:t>)</a:t>
-            </a:r>
+              <a:rPr lang="en-US" dirty="0"/>
+              <a:t>&gt;&gt;&gt; </a:t>
+            </a:r>
+            <a:r>
+              <a:rPr lang="en-US" dirty="0" err="1"/>
+              <a:t>def</a:t>
+            </a:r>
+            <a:r>
+              <a:rPr lang="en-US" dirty="0"/>
+              <a:t> f(x):</a:t>
+            </a:r>
+          </a:p>
+          <a:p>
+            <a:r>
+              <a:rPr lang="en-US" dirty="0"/>
+              <a:t>	return 3 * x</a:t>
+            </a:r>
+          </a:p>
+          <a:p>
+            <a:r>
+              <a:rPr lang="en-US" dirty="0"/>
+              <a:t>&gt;&gt;&gt; f(7)</a:t>
+            </a:r>
+          </a:p>
+          <a:p>
+            <a:r>
+              <a:rPr lang="en-US" dirty="0"/>
+              <a:t>21</a:t>
+            </a:r>
+          </a:p>
+          <a:p>
+            <a:r>
+              <a:rPr lang="en-US" dirty="0"/>
+              <a:t>&gt;&gt;&gt; lambda x: x ** 2</a:t>
+            </a:r>
+          </a:p>
+          <a:p>
+            <a:r>
+              <a:rPr lang="en-US" dirty="0"/>
+              <a:t>&lt;function &lt;lambda&gt; at 0x03353148&gt;</a:t>
+            </a:r>
+          </a:p>
+          <a:p>
+            <a:r>
+              <a:rPr lang="en-US" dirty="0"/>
+              <a:t>&gt;&gt;&gt; l = lambda x: x ** 2</a:t>
+            </a:r>
+          </a:p>
+          <a:p>
+            <a:r>
+              <a:rPr lang="en-US" dirty="0"/>
+              <a:t>&gt;&gt;&gt; l(7)</a:t>
+            </a:r>
+          </a:p>
+          <a:p>
+            <a:r>
+              <a:rPr lang="en-US" dirty="0"/>
+              <a:t>49</a:t>
+            </a:r>
+          </a:p>
+          <a:p>
+            <a:r>
+              <a:rPr lang="en-US" dirty="0"/>
+              <a:t>&gt;&gt;&gt; </a:t>
+            </a:r>
+            <a:r>
+              <a:rPr lang="en-US" dirty="0" err="1"/>
+              <a:t>def</a:t>
+            </a:r>
+            <a:r>
+              <a:rPr lang="en-US" dirty="0"/>
+              <a:t> g(f, x):</a:t>
+            </a:r>
+          </a:p>
+          <a:p>
+            <a:r>
+              <a:rPr lang="en-US" dirty="0"/>
+              <a:t>	return f(x) + 1</a:t>
+            </a:r>
+          </a:p>
+          <a:p>
+            <a:r>
+              <a:rPr lang="en-US" dirty="0"/>
+              <a:t>&gt;&gt;&gt; g(f, 7)</a:t>
+            </a:r>
+          </a:p>
+          <a:p>
+            <a:r>
+              <a:rPr lang="en-US" dirty="0"/>
+              <a:t>22</a:t>
+            </a:r>
+          </a:p>
+          <a:p>
+            <a:r>
+              <a:rPr lang="en-US" dirty="0"/>
+              <a:t>&gt;&gt;&gt; </a:t>
+            </a:r>
+            <a:r>
+              <a:rPr lang="en-US" dirty="0" err="1"/>
+              <a:t>def</a:t>
+            </a:r>
+            <a:r>
+              <a:rPr lang="en-US" dirty="0"/>
+              <a:t> h(f):</a:t>
+            </a:r>
+          </a:p>
+          <a:p>
+            <a:r>
+              <a:rPr lang="en-US" dirty="0"/>
+              <a:t>	return lambda x: f(x) + 1</a:t>
+            </a:r>
+          </a:p>
+          <a:p>
+            <a:r>
+              <a:rPr lang="en-US" dirty="0"/>
+              <a:t>&gt;&gt;&gt; h(f)</a:t>
+            </a:r>
+          </a:p>
+          <a:p>
+            <a:r>
+              <a:rPr lang="en-US" dirty="0"/>
+              <a:t>&lt;function h.&lt;locals&gt;.&lt;lambda&gt; at 0x033530B8&gt;</a:t>
+            </a:r>
+          </a:p>
+          <a:p>
+            <a:r>
+              <a:rPr lang="en-US" dirty="0"/>
+              <a:t>&gt;&gt;&gt; k = h(f)</a:t>
+            </a:r>
+          </a:p>
+          <a:p>
+            <a:r>
+              <a:rPr lang="en-US" dirty="0"/>
+              <a:t>&gt;&gt;&gt; k(7)</a:t>
+            </a:r>
+          </a:p>
+          <a:p>
+            <a:r>
+              <a:rPr lang="en-US" dirty="0"/>
+              <a:t>22</a:t>
+            </a:r>
+          </a:p>
+          <a:p>
             <a:endParaRPr lang="en-US" dirty="0"/>
           </a:p>
         </p:txBody>
@@ -1260,7 +1266,7 @@
           <a:p>
             <a:fld id="{CD563DD8-32AB-41BE-B1C6-8EAC45222ACE}" type="slidenum">
               <a:rPr lang="en-US" smtClean="0"/>
-              <a:t>6</a:t>
+              <a:t>4</a:t>
             </a:fld>
             <a:endParaRPr lang="en-US"/>
           </a:p>
@@ -1269,7 +1275,7 @@
     </p:spTree>
     <p:extLst>
       <p:ext uri="{BB962C8B-B14F-4D97-AF65-F5344CB8AC3E}">
-        <p14:creationId xmlns:p14="http://schemas.microsoft.com/office/powerpoint/2010/main" val="1079705680"/>
+        <p14:creationId xmlns:p14="http://schemas.microsoft.com/office/powerpoint/2010/main" val="3241589008"/>
       </p:ext>
     </p:extLst>
   </p:cSld>
@@ -1324,20 +1330,100 @@
           <a:lstStyle/>
           <a:p>
             <a:r>
+              <a:rPr lang="da-DK" dirty="0" err="1"/>
+              <a:t>Need</a:t>
+            </a:r>
+            <a:r>
               <a:rPr lang="da-DK" dirty="0"/>
-              <a:t>This</a:t>
+              <a:t> the </a:t>
+            </a:r>
+            <a:r>
+              <a:rPr lang="da-DK" dirty="0" err="1"/>
+              <a:t>temporary</a:t>
             </a:r>
             <a:r>
               <a:rPr lang="da-DK" baseline="0" dirty="0"/>
-              <a:t> is part of </a:t>
-            </a:r>
-            <a:r>
-              <a:rPr lang="da-DK" dirty="0"/>
-              <a:t>Defensive </a:t>
-            </a:r>
-            <a:r>
-              <a:rPr lang="da-DK" dirty="0" err="1"/>
-              <a:t>programming</a:t>
+              <a:t> _</a:t>
+            </a:r>
+            <a:r>
+              <a:rPr lang="da-DK" baseline="0" dirty="0" err="1"/>
+              <a:t>orginal</a:t>
+            </a:r>
+            <a:r>
+              <a:rPr lang="da-DK" baseline="0" dirty="0"/>
+              <a:t> variables in plus_one3 – </a:t>
+            </a:r>
+            <a:r>
+              <a:rPr lang="da-DK" baseline="0" dirty="0" err="1"/>
+              <a:t>otherwise</a:t>
+            </a:r>
+            <a:r>
+              <a:rPr lang="da-DK" baseline="0" dirty="0"/>
+              <a:t> </a:t>
+            </a:r>
+            <a:r>
+              <a:rPr lang="da-DK" baseline="0" dirty="0" err="1"/>
+              <a:t>we</a:t>
+            </a:r>
+            <a:r>
+              <a:rPr lang="da-DK" baseline="0" dirty="0"/>
+              <a:t> </a:t>
+            </a:r>
+            <a:r>
+              <a:rPr lang="da-DK" baseline="0" dirty="0" err="1"/>
+              <a:t>will</a:t>
+            </a:r>
+            <a:r>
+              <a:rPr lang="da-DK" baseline="0" dirty="0"/>
+              <a:t> generate </a:t>
+            </a:r>
+            <a:r>
+              <a:rPr lang="da-DK" baseline="0" dirty="0" err="1"/>
+              <a:t>infinite</a:t>
+            </a:r>
+            <a:r>
+              <a:rPr lang="da-DK" baseline="0" dirty="0"/>
+              <a:t> </a:t>
+            </a:r>
+            <a:r>
+              <a:rPr lang="da-DK" baseline="0" dirty="0" err="1"/>
+              <a:t>recursive</a:t>
+            </a:r>
+            <a:r>
+              <a:rPr lang="da-DK" baseline="0" dirty="0"/>
+              <a:t> </a:t>
+            </a:r>
+            <a:r>
+              <a:rPr lang="da-DK" baseline="0" dirty="0" err="1"/>
+              <a:t>calls</a:t>
+            </a:r>
+            <a:r>
+              <a:rPr lang="da-DK" baseline="0" dirty="0"/>
+              <a:t> (and </a:t>
+            </a:r>
+            <a:r>
+              <a:rPr lang="da-DK" baseline="0" dirty="0" err="1"/>
+              <a:t>get</a:t>
+            </a:r>
+            <a:r>
+              <a:rPr lang="da-DK" baseline="0" dirty="0"/>
+              <a:t> </a:t>
+            </a:r>
+            <a:r>
+              <a:rPr lang="da-DK" baseline="0" dirty="0" err="1"/>
+              <a:t>stack</a:t>
+            </a:r>
+            <a:r>
+              <a:rPr lang="da-DK" baseline="0" dirty="0"/>
+              <a:t> </a:t>
+            </a:r>
+            <a:r>
+              <a:rPr lang="da-DK" baseline="0" dirty="0" err="1"/>
+              <a:t>overflow</a:t>
+            </a:r>
+            <a:r>
+              <a:rPr lang="da-DK" baseline="0" dirty="0"/>
+              <a:t>)</a:t>
             </a:r>
             <a:endParaRPr lang="en-US" dirty="0"/>
           </a:p>
@@ -1360,7 +1446,7 @@
           <a:p>
             <a:fld id="{CD563DD8-32AB-41BE-B1C6-8EAC45222ACE}" type="slidenum">
               <a:rPr lang="en-US" smtClean="0"/>
-              <a:t>13</a:t>
+              <a:t>6</a:t>
             </a:fld>
             <a:endParaRPr lang="en-US"/>
           </a:p>
@@ -1369,7 +1455,7 @@
     </p:spTree>
     <p:extLst>
       <p:ext uri="{BB962C8B-B14F-4D97-AF65-F5344CB8AC3E}">
-        <p14:creationId xmlns:p14="http://schemas.microsoft.com/office/powerpoint/2010/main" val="3385269656"/>
+        <p14:creationId xmlns:p14="http://schemas.microsoft.com/office/powerpoint/2010/main" val="1079705680"/>
       </p:ext>
     </p:extLst>
   </p:cSld>
@@ -1425,62 +1511,21 @@
           <a:p>
             <a:r>
               <a:rPr lang="da-DK" dirty="0"/>
-              <a:t>If no default </a:t>
+              <a:t>This</a:t>
+            </a:r>
+            <a:r>
+              <a:rPr lang="da-DK" baseline="0" dirty="0"/>
+              <a:t> is part of </a:t>
+            </a:r>
+            <a:r>
+              <a:rPr lang="da-DK" dirty="0"/>
+              <a:t>Defensive </a:t>
             </a:r>
             <a:r>
               <a:rPr lang="da-DK" dirty="0" err="1"/>
-              <a:t>value</a:t>
-            </a:r>
-            <a:r>
-              <a:rPr lang="da-DK" dirty="0"/>
-              <a:t> =&gt; </a:t>
-            </a:r>
-            <a:r>
-              <a:rPr lang="da-DK" dirty="0" err="1"/>
-              <a:t>value</a:t>
-            </a:r>
-            <a:r>
-              <a:rPr lang="da-DK" dirty="0"/>
-              <a:t> </a:t>
-            </a:r>
-            <a:r>
-              <a:rPr lang="da-DK" dirty="0" err="1"/>
-              <a:t>required</a:t>
-            </a:r>
-            <a:r>
-              <a:rPr lang="da-DK" dirty="0"/>
-              <a:t> by the </a:t>
-            </a:r>
-            <a:r>
-              <a:rPr lang="da-DK" dirty="0" err="1"/>
-              <a:t>constructor</a:t>
-            </a:r>
-            <a:r>
-              <a:rPr lang="da-DK" dirty="0"/>
-              <a:t> (__</a:t>
-            </a:r>
-            <a:r>
-              <a:rPr lang="da-DK" dirty="0" err="1"/>
-              <a:t>init</a:t>
-            </a:r>
-            <a:r>
-              <a:rPr lang="da-DK" dirty="0"/>
-              <a:t>__)</a:t>
-            </a:r>
-          </a:p>
-          <a:p>
-            <a:r>
-              <a:rPr lang="da-DK" dirty="0"/>
-              <a:t>The type is not </a:t>
-            </a:r>
-            <a:r>
-              <a:rPr lang="da-DK" dirty="0" err="1"/>
-              <a:t>checked</a:t>
-            </a:r>
-            <a:r>
-              <a:rPr lang="da-DK" dirty="0"/>
-              <a:t>, so </a:t>
-            </a:r>
+              <a:t>programming</a:t>
+            </a:r>
+            <a:endParaRPr lang="en-US" dirty="0"/>
           </a:p>
         </p:txBody>
       </p:sp>
@@ -1491,7 +1536,7 @@
             <a:spLocks noGrp="1"/>
           </p:cNvSpPr>
           <p:nvPr>
-            <p:ph type="sldNum" sz="quarter" idx="5"/>
+            <p:ph type="sldNum" sz="quarter" idx="10"/>
           </p:nvPr>
         </p:nvSpPr>
         <p:spPr/>
@@ -1501,7 +1546,7 @@
           <a:p>
             <a:fld id="{CD563DD8-32AB-41BE-B1C6-8EAC45222ACE}" type="slidenum">
               <a:rPr lang="en-US" smtClean="0"/>
-              <a:t>17</a:t>
+              <a:t>13</a:t>
             </a:fld>
             <a:endParaRPr lang="en-US"/>
           </a:p>
@@ -1510,7 +1555,7 @@
     </p:spTree>
     <p:extLst>
       <p:ext uri="{BB962C8B-B14F-4D97-AF65-F5344CB8AC3E}">
-        <p14:creationId xmlns:p14="http://schemas.microsoft.com/office/powerpoint/2010/main" val="43841082"/>
+        <p14:creationId xmlns:p14="http://schemas.microsoft.com/office/powerpoint/2010/main" val="3385269656"/>
       </p:ext>
     </p:extLst>
   </p:cSld>
@@ -1565,29 +1610,63 @@
           <a:lstStyle/>
           <a:p>
             <a:r>
-              <a:rPr lang="en-US" dirty="0"/>
-              <a:t>What the decorator does is:</a:t>
+              <a:rPr lang="da-DK" dirty="0"/>
+              <a:t>If no default </a:t>
+            </a:r>
+            <a:r>
+              <a:rPr lang="da-DK" dirty="0" err="1"/>
+              <a:t>value</a:t>
+            </a:r>
+            <a:r>
+              <a:rPr lang="da-DK" dirty="0"/>
+              <a:t> =&gt; </a:t>
+            </a:r>
+            <a:r>
+              <a:rPr lang="da-DK" dirty="0" err="1"/>
+              <a:t>value</a:t>
+            </a:r>
+            <a:r>
+              <a:rPr lang="da-DK" dirty="0"/>
+              <a:t> </a:t>
+            </a:r>
+            <a:r>
+              <a:rPr lang="da-DK" dirty="0" err="1"/>
+              <a:t>required</a:t>
+            </a:r>
+            <a:r>
+              <a:rPr lang="da-DK" dirty="0"/>
+              <a:t> by the </a:t>
+            </a:r>
+            <a:r>
+              <a:rPr lang="da-DK" dirty="0" err="1"/>
+              <a:t>constructor</a:t>
+            </a:r>
+            <a:r>
+              <a:rPr lang="da-DK" dirty="0"/>
+              <a:t> (__</a:t>
+            </a:r>
+            <a:r>
+              <a:rPr lang="da-DK" dirty="0" err="1"/>
+              <a:t>init</a:t>
+            </a:r>
+            <a:r>
+              <a:rPr lang="da-DK" dirty="0"/>
+              <a:t>__)</a:t>
             </a:r>
           </a:p>
           <a:p>
-            <a:endParaRPr lang="en-US" dirty="0"/>
-          </a:p>
-          <a:p>
-            <a:r>
-              <a:rPr lang="en-US" dirty="0"/>
-              <a:t>Student.__</a:t>
-            </a:r>
-            <a:r>
-              <a:rPr lang="en-US" dirty="0" err="1"/>
-              <a:t>gt</a:t>
-            </a:r>
-            <a:r>
-              <a:rPr lang="en-US" dirty="0"/>
-              <a:t>__ = lambda self, other: other &lt; self</a:t>
-            </a:r>
-          </a:p>
-          <a:p>
-            <a:endParaRPr lang="da-DK" dirty="0"/>
+            <a:r>
+              <a:rPr lang="da-DK" dirty="0"/>
+              <a:t>The type is not </a:t>
+            </a:r>
+            <a:r>
+              <a:rPr lang="da-DK" dirty="0" err="1"/>
+              <a:t>checked</a:t>
+            </a:r>
+            <a:r>
+              <a:rPr lang="da-DK" dirty="0"/>
+              <a:t>, so </a:t>
+            </a:r>
           </a:p>
         </p:txBody>
       </p:sp>
@@ -1608,7 +1687,7 @@
           <a:p>
             <a:fld id="{CD563DD8-32AB-41BE-B1C6-8EAC45222ACE}" type="slidenum">
               <a:rPr lang="en-US" smtClean="0"/>
-              <a:t>18</a:t>
+              <a:t>17</a:t>
             </a:fld>
             <a:endParaRPr lang="en-US"/>
           </a:p>
@@ -1617,7 +1696,7 @@
     </p:spTree>
     <p:extLst>
       <p:ext uri="{BB962C8B-B14F-4D97-AF65-F5344CB8AC3E}">
-        <p14:creationId xmlns:p14="http://schemas.microsoft.com/office/powerpoint/2010/main" val="1413584677"/>
+        <p14:creationId xmlns:p14="http://schemas.microsoft.com/office/powerpoint/2010/main" val="43841082"/>
       </p:ext>
     </p:extLst>
   </p:cSld>
@@ -1672,99 +1751,29 @@
           <a:lstStyle/>
           <a:p>
             <a:r>
-              <a:rPr lang="da-DK" dirty="0" err="1"/>
-              <a:t>Vectors</a:t>
-            </a:r>
-            <a:r>
-              <a:rPr lang="da-DK" dirty="0"/>
-              <a:t> </a:t>
-            </a:r>
-            <a:r>
-              <a:rPr lang="da-DK" dirty="0" err="1"/>
-              <a:t>ordered</a:t>
-            </a:r>
-            <a:r>
-              <a:rPr lang="da-DK" dirty="0"/>
-              <a:t> by </a:t>
-            </a:r>
-            <a:r>
-              <a:rPr lang="da-DK" dirty="0" err="1"/>
-              <a:t>length</a:t>
-            </a:r>
-            <a:endParaRPr lang="da-DK" dirty="0"/>
+              <a:rPr lang="en-US" dirty="0"/>
+              <a:t>What the decorator does is:</a:t>
+            </a:r>
+          </a:p>
+          <a:p>
+            <a:endParaRPr lang="en-US" dirty="0"/>
+          </a:p>
+          <a:p>
+            <a:r>
+              <a:rPr lang="en-US" dirty="0"/>
+              <a:t>Student.__</a:t>
+            </a:r>
+            <a:r>
+              <a:rPr lang="en-US" dirty="0" err="1"/>
+              <a:t>gt</a:t>
+            </a:r>
+            <a:r>
+              <a:rPr lang="en-US" dirty="0"/>
+              <a:t>__ = lambda self, other: other &lt; self</a:t>
+            </a:r>
           </a:p>
           <a:p>
             <a:endParaRPr lang="da-DK" dirty="0"/>
-          </a:p>
-          <a:p>
-            <a:r>
-              <a:rPr lang="da-DK" dirty="0"/>
-              <a:t>If an operator is not </a:t>
-            </a:r>
-            <a:r>
-              <a:rPr lang="da-DK" dirty="0" err="1"/>
-              <a:t>defined</a:t>
-            </a:r>
-            <a:r>
-              <a:rPr lang="da-DK" dirty="0"/>
-              <a:t>, Python </a:t>
-            </a:r>
-            <a:r>
-              <a:rPr lang="da-DK" dirty="0" err="1"/>
-              <a:t>calls</a:t>
-            </a:r>
-            <a:r>
-              <a:rPr lang="da-DK" dirty="0"/>
-              <a:t> the </a:t>
-            </a:r>
-            <a:r>
-              <a:rPr lang="da-DK" b="1" dirty="0" err="1"/>
-              <a:t>reflected</a:t>
-            </a:r>
-            <a:r>
-              <a:rPr lang="da-DK" dirty="0"/>
-              <a:t> operator (&lt; </a:t>
-            </a:r>
-            <a:r>
-              <a:rPr lang="da-DK" dirty="0" err="1"/>
-              <a:t>vs</a:t>
-            </a:r>
-            <a:r>
-              <a:rPr lang="da-DK" dirty="0"/>
-              <a:t> &gt;, &lt;= </a:t>
-            </a:r>
-            <a:r>
-              <a:rPr lang="da-DK" dirty="0" err="1"/>
-              <a:t>vs</a:t>
-            </a:r>
-            <a:r>
-              <a:rPr lang="da-DK" dirty="0"/>
-              <a:t> =&gt;, == by default returns true </a:t>
-            </a:r>
-            <a:r>
-              <a:rPr lang="da-DK" dirty="0" err="1"/>
-              <a:t>if</a:t>
-            </a:r>
-            <a:r>
-              <a:rPr lang="da-DK" dirty="0"/>
-              <a:t> ”is” returns true, but </a:t>
-            </a:r>
-            <a:r>
-              <a:rPr lang="da-DK" dirty="0" err="1"/>
-              <a:t>otherwise</a:t>
-            </a:r>
-            <a:r>
-              <a:rPr lang="da-DK" dirty="0"/>
-              <a:t> </a:t>
-            </a:r>
-            <a:r>
-              <a:rPr lang="da-DK" dirty="0" err="1"/>
-              <a:t>NotImplemented</a:t>
-            </a:r>
-            <a:r>
-              <a:rPr lang="da-DK" dirty="0"/>
-              <a:t>)</a:t>
-            </a:r>
           </a:p>
         </p:txBody>
       </p:sp>
@@ -1785,7 +1794,7 @@
           <a:p>
             <a:fld id="{CD563DD8-32AB-41BE-B1C6-8EAC45222ACE}" type="slidenum">
               <a:rPr lang="en-US" smtClean="0"/>
-              <a:t>19</a:t>
+              <a:t>18</a:t>
             </a:fld>
             <a:endParaRPr lang="en-US"/>
           </a:p>
@@ -1794,7 +1803,7 @@
     </p:spTree>
     <p:extLst>
       <p:ext uri="{BB962C8B-B14F-4D97-AF65-F5344CB8AC3E}">
-        <p14:creationId xmlns:p14="http://schemas.microsoft.com/office/powerpoint/2010/main" val="1549153382"/>
+        <p14:creationId xmlns:p14="http://schemas.microsoft.com/office/powerpoint/2010/main" val="1413584677"/>
       </p:ext>
     </p:extLst>
   </p:cSld>
@@ -1849,29 +1858,118 @@
           <a:lstStyle/>
           <a:p>
             <a:r>
-              <a:rPr lang="en-US" dirty="0" err="1"/>
-              <a:t>Skriv</a:t>
-            </a:r>
-            <a:r>
-              <a:rPr lang="en-US" dirty="0"/>
-              <a:t> de </a:t>
-            </a:r>
-            <a:r>
-              <a:rPr lang="en-US" dirty="0" err="1"/>
-              <a:t>første</a:t>
-            </a:r>
-            <a:r>
-              <a:rPr lang="en-US" dirty="0"/>
-              <a:t> par </a:t>
-            </a:r>
-            <a:r>
-              <a:rPr lang="en-US" dirty="0" err="1"/>
-              <a:t>bogstaver</a:t>
-            </a:r>
-            <a:r>
-              <a:rPr lang="en-US" dirty="0"/>
-              <a:t> i “Aarhus Universitet”</a:t>
-            </a:r>
+              <a:rPr lang="da-DK" dirty="0" err="1"/>
+              <a:t>Vectors</a:t>
+            </a:r>
+            <a:r>
+              <a:rPr lang="da-DK" dirty="0"/>
+              <a:t> </a:t>
+            </a:r>
+            <a:r>
+              <a:rPr lang="da-DK" dirty="0" err="1"/>
+              <a:t>ordered</a:t>
+            </a:r>
+            <a:r>
+              <a:rPr lang="da-DK" dirty="0"/>
+              <a:t> by </a:t>
+            </a:r>
+            <a:r>
+              <a:rPr lang="da-DK" dirty="0" err="1"/>
+              <a:t>length</a:t>
+            </a:r>
+            <a:endParaRPr lang="da-DK" dirty="0"/>
+          </a:p>
+          <a:p>
+            <a:endParaRPr lang="da-DK" dirty="0"/>
+          </a:p>
+          <a:p>
+            <a:r>
+              <a:rPr lang="da-DK" dirty="0"/>
+              <a:t>If an operator is not </a:t>
+            </a:r>
+            <a:r>
+              <a:rPr lang="da-DK" dirty="0" err="1"/>
+              <a:t>defined</a:t>
+            </a:r>
+            <a:r>
+              <a:rPr lang="da-DK" dirty="0"/>
+              <a:t>, Python </a:t>
+            </a:r>
+            <a:r>
+              <a:rPr lang="da-DK" dirty="0" err="1"/>
+              <a:t>calls</a:t>
+            </a:r>
+            <a:r>
+              <a:rPr lang="da-DK" dirty="0"/>
+              <a:t> the </a:t>
+            </a:r>
+            <a:r>
+              <a:rPr lang="da-DK" b="1" dirty="0" err="1"/>
+              <a:t>reflected</a:t>
+            </a:r>
+            <a:r>
+              <a:rPr lang="da-DK" dirty="0"/>
+              <a:t> operator (&lt; </a:t>
+            </a:r>
+            <a:r>
+              <a:rPr lang="da-DK" dirty="0" err="1"/>
+              <a:t>vs</a:t>
+            </a:r>
+            <a:r>
+              <a:rPr lang="da-DK" dirty="0"/>
+              <a:t> &gt;, &lt;= </a:t>
+            </a:r>
+            <a:r>
+              <a:rPr lang="da-DK" dirty="0" err="1"/>
+              <a:t>vs</a:t>
+            </a:r>
+            <a:r>
+              <a:rPr lang="da-DK" dirty="0"/>
+              <a:t> =&gt;, == by default returns true </a:t>
+            </a:r>
+            <a:r>
+              <a:rPr lang="da-DK" dirty="0" err="1"/>
+              <a:t>if</a:t>
+            </a:r>
+            <a:r>
+              <a:rPr lang="da-DK" dirty="0"/>
+              <a:t> ”is” returns true, but </a:t>
+            </a:r>
+            <a:r>
+              <a:rPr lang="da-DK" dirty="0" err="1"/>
+              <a:t>otherwise</a:t>
+            </a:r>
+            <a:r>
+              <a:rPr lang="da-DK" dirty="0"/>
+              <a:t> </a:t>
+            </a:r>
+            <a:r>
+              <a:rPr lang="da-DK" dirty="0" err="1"/>
+              <a:t>NotImplemented</a:t>
+            </a:r>
+            <a:r>
+              <a:rPr lang="da-DK" dirty="0"/>
+              <a:t>)</a:t>
+            </a:r>
+          </a:p>
+          <a:p>
+            <a:r>
+              <a:rPr lang="da-DK" dirty="0" err="1"/>
+              <a:t>Discussion</a:t>
+            </a:r>
+            <a:r>
+              <a:rPr lang="da-DK" dirty="0"/>
+              <a:t> of </a:t>
+            </a:r>
+            <a:r>
+              <a:rPr lang="da-DK" dirty="0" err="1"/>
+              <a:t>reflected</a:t>
+            </a:r>
+            <a:r>
+              <a:rPr lang="da-DK"/>
+              <a:t> at https://docs.python.org/3/reference/datamodel.html</a:t>
+            </a:r>
+            <a:endParaRPr lang="da-DK" dirty="0"/>
           </a:p>
         </p:txBody>
       </p:sp>
@@ -1882,7 +1980,7 @@
             <a:spLocks noGrp="1"/>
           </p:cNvSpPr>
           <p:nvPr>
-            <p:ph type="sldNum" sz="quarter" idx="10"/>
+            <p:ph type="sldNum" sz="quarter" idx="5"/>
           </p:nvPr>
         </p:nvSpPr>
         <p:spPr/>
@@ -1892,7 +1990,7 @@
           <a:p>
             <a:fld id="{CD563DD8-32AB-41BE-B1C6-8EAC45222ACE}" type="slidenum">
               <a:rPr lang="en-US" smtClean="0"/>
-              <a:t>20</a:t>
+              <a:t>19</a:t>
             </a:fld>
             <a:endParaRPr lang="en-US"/>
           </a:p>
@@ -1901,7 +1999,7 @@
     </p:spTree>
     <p:extLst>
       <p:ext uri="{BB962C8B-B14F-4D97-AF65-F5344CB8AC3E}">
-        <p14:creationId xmlns:p14="http://schemas.microsoft.com/office/powerpoint/2010/main" val="3222021722"/>
+        <p14:creationId xmlns:p14="http://schemas.microsoft.com/office/powerpoint/2010/main" val="1549153382"/>
       </p:ext>
     </p:extLst>
   </p:cSld>
@@ -2048,7 +2146,7 @@
           <a:p>
             <a:fld id="{0560A9CD-0304-4E0B-9E82-E7E0115DE05B}" type="datetimeFigureOut">
               <a:rPr lang="en-US" smtClean="0"/>
-              <a:t>3/11/2023</a:t>
+              <a:t>3/19/2023</a:t>
             </a:fld>
             <a:endParaRPr lang="en-US"/>
           </a:p>
@@ -2216,7 +2314,7 @@
           <a:p>
             <a:fld id="{0560A9CD-0304-4E0B-9E82-E7E0115DE05B}" type="datetimeFigureOut">
               <a:rPr lang="en-US" smtClean="0"/>
-              <a:t>3/11/2023</a:t>
+              <a:t>3/19/2023</a:t>
             </a:fld>
             <a:endParaRPr lang="en-US"/>
           </a:p>
@@ -2394,7 +2492,7 @@
           <a:p>
             <a:fld id="{0560A9CD-0304-4E0B-9E82-E7E0115DE05B}" type="datetimeFigureOut">
               <a:rPr lang="en-US" smtClean="0"/>
-              <a:t>3/11/2023</a:t>
+              <a:t>3/19/2023</a:t>
             </a:fld>
             <a:endParaRPr lang="en-US"/>
           </a:p>
@@ -2577,7 +2675,7 @@
           <a:p>
             <a:fld id="{0560A9CD-0304-4E0B-9E82-E7E0115DE05B}" type="datetimeFigureOut">
               <a:rPr lang="en-US" smtClean="0"/>
-              <a:t>3/11/2023</a:t>
+              <a:t>3/19/2023</a:t>
             </a:fld>
             <a:endParaRPr lang="en-US"/>
           </a:p>
@@ -2822,7 +2920,7 @@
           <a:p>
             <a:fld id="{0560A9CD-0304-4E0B-9E82-E7E0115DE05B}" type="datetimeFigureOut">
               <a:rPr lang="en-US" smtClean="0"/>
-              <a:t>3/11/2023</a:t>
+              <a:t>3/19/2023</a:t>
             </a:fld>
             <a:endParaRPr lang="en-US"/>
           </a:p>
@@ -3051,7 +3149,7 @@
           <a:p>
             <a:fld id="{0560A9CD-0304-4E0B-9E82-E7E0115DE05B}" type="datetimeFigureOut">
               <a:rPr lang="en-US" smtClean="0"/>
-              <a:t>3/11/2023</a:t>
+              <a:t>3/19/2023</a:t>
             </a:fld>
             <a:endParaRPr lang="en-US"/>
           </a:p>
@@ -3415,7 +3513,7 @@
           <a:p>
             <a:fld id="{0560A9CD-0304-4E0B-9E82-E7E0115DE05B}" type="datetimeFigureOut">
               <a:rPr lang="en-US" smtClean="0"/>
-              <a:t>3/11/2023</a:t>
+              <a:t>3/19/2023</a:t>
             </a:fld>
             <a:endParaRPr lang="en-US"/>
           </a:p>
@@ -3532,7 +3630,7 @@
           <a:p>
             <a:fld id="{0560A9CD-0304-4E0B-9E82-E7E0115DE05B}" type="datetimeFigureOut">
               <a:rPr lang="en-US" smtClean="0"/>
-              <a:t>3/11/2023</a:t>
+              <a:t>3/19/2023</a:t>
             </a:fld>
             <a:endParaRPr lang="en-US"/>
           </a:p>
@@ -3627,7 +3725,7 @@
           <a:p>
             <a:fld id="{0560A9CD-0304-4E0B-9E82-E7E0115DE05B}" type="datetimeFigureOut">
               <a:rPr lang="en-US" smtClean="0"/>
-              <a:t>3/11/2023</a:t>
+              <a:t>3/19/2023</a:t>
             </a:fld>
             <a:endParaRPr lang="en-US"/>
           </a:p>
@@ -3902,7 +4000,7 @@
           <a:p>
             <a:fld id="{0560A9CD-0304-4E0B-9E82-E7E0115DE05B}" type="datetimeFigureOut">
               <a:rPr lang="en-US" smtClean="0"/>
-              <a:t>3/11/2023</a:t>
+              <a:t>3/19/2023</a:t>
             </a:fld>
             <a:endParaRPr lang="en-US"/>
           </a:p>
@@ -4154,7 +4252,7 @@
           <a:p>
             <a:fld id="{0560A9CD-0304-4E0B-9E82-E7E0115DE05B}" type="datetimeFigureOut">
               <a:rPr lang="en-US" smtClean="0"/>
-              <a:t>3/11/2023</a:t>
+              <a:t>3/19/2023</a:t>
             </a:fld>
             <a:endParaRPr lang="en-US"/>
           </a:p>
@@ -4365,7 +4463,7 @@
           <a:p>
             <a:fld id="{0560A9CD-0304-4E0B-9E82-E7E0115DE05B}" type="datetimeFigureOut">
               <a:rPr lang="en-US" smtClean="0"/>
-              <a:t>3/11/2023</a:t>
+              <a:t>3/19/2023</a:t>
             </a:fld>
             <a:endParaRPr lang="en-US"/>
           </a:p>
@@ -4856,7 +4954,7 @@
                     <a:lumMod val="50000"/>
                   </a:schemeClr>
                 </a:solidFill>
-                <a:hlinkClick r:id="rId2"/>
+                <a:hlinkClick r:id="rId3"/>
               </a:rPr>
               <a:t>www.python.org/dev/peps/pep-0318/</a:t>
             </a:r>

--- a/ipsa/slides/decorators.pptx
+++ b/ipsa/slides/decorators.pptx
@@ -192,16 +192,24 @@
   <pc:docChgLst>
     <pc:chgData name="Gerth Stølting Brodal" userId="04ef4784-6591-4f86-a140-f5c3b108582a" providerId="ADAL" clId="{49DDEC1E-38A8-4C37-8499-4049F935AE5A}"/>
     <pc:docChg chg="undo redo custSel modSld">
-      <pc:chgData name="Gerth Stølting Brodal" userId="04ef4784-6591-4f86-a140-f5c3b108582a" providerId="ADAL" clId="{49DDEC1E-38A8-4C37-8499-4049F935AE5A}" dt="2023-03-19T18:01:10.702" v="320" actId="6549"/>
+      <pc:chgData name="Gerth Stølting Brodal" userId="04ef4784-6591-4f86-a140-f5c3b108582a" providerId="ADAL" clId="{49DDEC1E-38A8-4C37-8499-4049F935AE5A}" dt="2023-03-20T07:23:13.100" v="322" actId="1036"/>
       <pc:docMkLst>
         <pc:docMk/>
       </pc:docMkLst>
-      <pc:sldChg chg="modNotesTx">
-        <pc:chgData name="Gerth Stølting Brodal" userId="04ef4784-6591-4f86-a140-f5c3b108582a" providerId="ADAL" clId="{49DDEC1E-38A8-4C37-8499-4049F935AE5A}" dt="2023-03-18T02:05:02.904" v="271" actId="20577"/>
+      <pc:sldChg chg="modSp mod modNotesTx">
+        <pc:chgData name="Gerth Stølting Brodal" userId="04ef4784-6591-4f86-a140-f5c3b108582a" providerId="ADAL" clId="{49DDEC1E-38A8-4C37-8499-4049F935AE5A}" dt="2023-03-20T07:23:13.100" v="322" actId="1036"/>
         <pc:sldMkLst>
           <pc:docMk/>
           <pc:sldMk cId="1986006132" sldId="478"/>
         </pc:sldMkLst>
+        <pc:spChg chg="mod">
+          <ac:chgData name="Gerth Stølting Brodal" userId="04ef4784-6591-4f86-a140-f5c3b108582a" providerId="ADAL" clId="{49DDEC1E-38A8-4C37-8499-4049F935AE5A}" dt="2023-03-20T07:23:13.100" v="322" actId="1036"/>
+          <ac:spMkLst>
+            <pc:docMk/>
+            <pc:sldMk cId="1986006132" sldId="478"/>
+            <ac:spMk id="2" creationId="{00000000-0000-0000-0000-000000000000}"/>
+          </ac:spMkLst>
+        </pc:spChg>
       </pc:sldChg>
       <pc:sldChg chg="modNotesTx">
         <pc:chgData name="Gerth Stølting Brodal" userId="04ef4784-6591-4f86-a140-f5c3b108582a" providerId="ADAL" clId="{49DDEC1E-38A8-4C37-8499-4049F935AE5A}" dt="2023-03-18T02:06:20.087" v="278" actId="20577"/>
@@ -411,7 +419,7 @@
           <a:p>
             <a:fld id="{FB1A172F-81D4-4DC4-9113-1DBD56EC3646}" type="datetimeFigureOut">
               <a:rPr lang="en-US" smtClean="0"/>
-              <a:t>3/19/2023</a:t>
+              <a:t>3/20/2023</a:t>
             </a:fld>
             <a:endParaRPr lang="en-US"/>
           </a:p>
@@ -2146,7 +2154,7 @@
           <a:p>
             <a:fld id="{0560A9CD-0304-4E0B-9E82-E7E0115DE05B}" type="datetimeFigureOut">
               <a:rPr lang="en-US" smtClean="0"/>
-              <a:t>3/19/2023</a:t>
+              <a:t>3/20/2023</a:t>
             </a:fld>
             <a:endParaRPr lang="en-US"/>
           </a:p>
@@ -2314,7 +2322,7 @@
           <a:p>
             <a:fld id="{0560A9CD-0304-4E0B-9E82-E7E0115DE05B}" type="datetimeFigureOut">
               <a:rPr lang="en-US" smtClean="0"/>
-              <a:t>3/19/2023</a:t>
+              <a:t>3/20/2023</a:t>
             </a:fld>
             <a:endParaRPr lang="en-US"/>
           </a:p>
@@ -2492,7 +2500,7 @@
           <a:p>
             <a:fld id="{0560A9CD-0304-4E0B-9E82-E7E0115DE05B}" type="datetimeFigureOut">
               <a:rPr lang="en-US" smtClean="0"/>
-              <a:t>3/19/2023</a:t>
+              <a:t>3/20/2023</a:t>
             </a:fld>
             <a:endParaRPr lang="en-US"/>
           </a:p>
@@ -2675,7 +2683,7 @@
           <a:p>
             <a:fld id="{0560A9CD-0304-4E0B-9E82-E7E0115DE05B}" type="datetimeFigureOut">
               <a:rPr lang="en-US" smtClean="0"/>
-              <a:t>3/19/2023</a:t>
+              <a:t>3/20/2023</a:t>
             </a:fld>
             <a:endParaRPr lang="en-US"/>
           </a:p>
@@ -2920,7 +2928,7 @@
           <a:p>
             <a:fld id="{0560A9CD-0304-4E0B-9E82-E7E0115DE05B}" type="datetimeFigureOut">
               <a:rPr lang="en-US" smtClean="0"/>
-              <a:t>3/19/2023</a:t>
+              <a:t>3/20/2023</a:t>
             </a:fld>
             <a:endParaRPr lang="en-US"/>
           </a:p>
@@ -3149,7 +3157,7 @@
           <a:p>
             <a:fld id="{0560A9CD-0304-4E0B-9E82-E7E0115DE05B}" type="datetimeFigureOut">
               <a:rPr lang="en-US" smtClean="0"/>
-              <a:t>3/19/2023</a:t>
+              <a:t>3/20/2023</a:t>
             </a:fld>
             <a:endParaRPr lang="en-US"/>
           </a:p>
@@ -3513,7 +3521,7 @@
           <a:p>
             <a:fld id="{0560A9CD-0304-4E0B-9E82-E7E0115DE05B}" type="datetimeFigureOut">
               <a:rPr lang="en-US" smtClean="0"/>
-              <a:t>3/19/2023</a:t>
+              <a:t>3/20/2023</a:t>
             </a:fld>
             <a:endParaRPr lang="en-US"/>
           </a:p>
@@ -3630,7 +3638,7 @@
           <a:p>
             <a:fld id="{0560A9CD-0304-4E0B-9E82-E7E0115DE05B}" type="datetimeFigureOut">
               <a:rPr lang="en-US" smtClean="0"/>
-              <a:t>3/19/2023</a:t>
+              <a:t>3/20/2023</a:t>
             </a:fld>
             <a:endParaRPr lang="en-US"/>
           </a:p>
@@ -3725,7 +3733,7 @@
           <a:p>
             <a:fld id="{0560A9CD-0304-4E0B-9E82-E7E0115DE05B}" type="datetimeFigureOut">
               <a:rPr lang="en-US" smtClean="0"/>
-              <a:t>3/19/2023</a:t>
+              <a:t>3/20/2023</a:t>
             </a:fld>
             <a:endParaRPr lang="en-US"/>
           </a:p>
@@ -4000,7 +4008,7 @@
           <a:p>
             <a:fld id="{0560A9CD-0304-4E0B-9E82-E7E0115DE05B}" type="datetimeFigureOut">
               <a:rPr lang="en-US" smtClean="0"/>
-              <a:t>3/19/2023</a:t>
+              <a:t>3/20/2023</a:t>
             </a:fld>
             <a:endParaRPr lang="en-US"/>
           </a:p>
@@ -4252,7 +4260,7 @@
           <a:p>
             <a:fld id="{0560A9CD-0304-4E0B-9E82-E7E0115DE05B}" type="datetimeFigureOut">
               <a:rPr lang="en-US" smtClean="0"/>
-              <a:t>3/19/2023</a:t>
+              <a:t>3/20/2023</a:t>
             </a:fld>
             <a:endParaRPr lang="en-US"/>
           </a:p>
@@ -4463,7 +4471,7 @@
           <a:p>
             <a:fld id="{0560A9CD-0304-4E0B-9E82-E7E0115DE05B}" type="datetimeFigureOut">
               <a:rPr lang="en-US" smtClean="0"/>
-              <a:t>3/19/2023</a:t>
+              <a:t>3/20/2023</a:t>
             </a:fld>
             <a:endParaRPr lang="en-US"/>
           </a:p>

--- a/ipsa/slides/decorators.pptx
+++ b/ipsa/slides/decorators.pptx
@@ -145,51 +145,6 @@
 <file path=ppt/changesInfos/changesInfo1.xml><?xml version="1.0" encoding="utf-8"?>
 <pc:chgInfo xmlns:a="http://schemas.openxmlformats.org/drawingml/2006/main" xmlns:r="http://schemas.openxmlformats.org/officeDocument/2006/relationships" xmlns:ac="http://schemas.microsoft.com/office/drawing/2013/main/command" xmlns:pc="http://schemas.microsoft.com/office/powerpoint/2013/main/command">
   <pc:docChgLst>
-    <pc:chgData name="Gerth Stølting Brodal" userId="04ef4784-6591-4f86-a140-f5c3b108582a" providerId="ADAL" clId="{FF0607A2-90B5-4D94-9A2D-E7F06D4272F1}"/>
-    <pc:docChg chg="modSld">
-      <pc:chgData name="Gerth Stølting Brodal" userId="04ef4784-6591-4f86-a140-f5c3b108582a" providerId="ADAL" clId="{FF0607A2-90B5-4D94-9A2D-E7F06D4272F1}" dt="2021-03-24T12:51:53.168" v="12" actId="20577"/>
-      <pc:docMkLst>
-        <pc:docMk/>
-      </pc:docMkLst>
-      <pc:sldChg chg="modSp mod">
-        <pc:chgData name="Gerth Stølting Brodal" userId="04ef4784-6591-4f86-a140-f5c3b108582a" providerId="ADAL" clId="{FF0607A2-90B5-4D94-9A2D-E7F06D4272F1}" dt="2021-03-24T12:51:53.168" v="12" actId="20577"/>
-        <pc:sldMkLst>
-          <pc:docMk/>
-          <pc:sldMk cId="752883233" sldId="719"/>
-        </pc:sldMkLst>
-        <pc:graphicFrameChg chg="modGraphic">
-          <ac:chgData name="Gerth Stølting Brodal" userId="04ef4784-6591-4f86-a140-f5c3b108582a" providerId="ADAL" clId="{FF0607A2-90B5-4D94-9A2D-E7F06D4272F1}" dt="2021-03-24T12:51:53.168" v="12" actId="20577"/>
-          <ac:graphicFrameMkLst>
-            <pc:docMk/>
-            <pc:sldMk cId="752883233" sldId="719"/>
-            <ac:graphicFrameMk id="4" creationId="{00000000-0000-0000-0000-000000000000}"/>
-          </ac:graphicFrameMkLst>
-        </pc:graphicFrameChg>
-      </pc:sldChg>
-      <pc:sldChg chg="modTransition">
-        <pc:chgData name="Gerth Stølting Brodal" userId="04ef4784-6591-4f86-a140-f5c3b108582a" providerId="ADAL" clId="{FF0607A2-90B5-4D94-9A2D-E7F06D4272F1}" dt="2021-03-22T08:51:54.546" v="0"/>
-        <pc:sldMkLst>
-          <pc:docMk/>
-          <pc:sldMk cId="1706666189" sldId="739"/>
-        </pc:sldMkLst>
-      </pc:sldChg>
-      <pc:sldChg chg="modTransition">
-        <pc:chgData name="Gerth Stølting Brodal" userId="04ef4784-6591-4f86-a140-f5c3b108582a" providerId="ADAL" clId="{FF0607A2-90B5-4D94-9A2D-E7F06D4272F1}" dt="2021-03-22T08:51:54.546" v="0"/>
-        <pc:sldMkLst>
-          <pc:docMk/>
-          <pc:sldMk cId="523084957" sldId="740"/>
-        </pc:sldMkLst>
-      </pc:sldChg>
-      <pc:sldChg chg="modTransition">
-        <pc:chgData name="Gerth Stølting Brodal" userId="04ef4784-6591-4f86-a140-f5c3b108582a" providerId="ADAL" clId="{FF0607A2-90B5-4D94-9A2D-E7F06D4272F1}" dt="2021-03-22T08:51:54.546" v="0"/>
-        <pc:sldMkLst>
-          <pc:docMk/>
-          <pc:sldMk cId="1665259652" sldId="741"/>
-        </pc:sldMkLst>
-      </pc:sldChg>
-    </pc:docChg>
-  </pc:docChgLst>
-  <pc:docChgLst>
     <pc:chgData name="Gerth Stølting Brodal" userId="04ef4784-6591-4f86-a140-f5c3b108582a" providerId="ADAL" clId="{49DDEC1E-38A8-4C37-8499-4049F935AE5A}"/>
     <pc:docChg chg="undo redo custSel modSld">
       <pc:chgData name="Gerth Stølting Brodal" userId="04ef4784-6591-4f86-a140-f5c3b108582a" providerId="ADAL" clId="{49DDEC1E-38A8-4C37-8499-4049F935AE5A}" dt="2023-03-20T07:23:13.100" v="322" actId="1036"/>
@@ -334,6 +289,51 @@
       </pc:sldChg>
     </pc:docChg>
   </pc:docChgLst>
+  <pc:docChgLst>
+    <pc:chgData name="Gerth Stølting Brodal" userId="04ef4784-6591-4f86-a140-f5c3b108582a" providerId="ADAL" clId="{FF0607A2-90B5-4D94-9A2D-E7F06D4272F1}"/>
+    <pc:docChg chg="modSld">
+      <pc:chgData name="Gerth Stølting Brodal" userId="04ef4784-6591-4f86-a140-f5c3b108582a" providerId="ADAL" clId="{FF0607A2-90B5-4D94-9A2D-E7F06D4272F1}" dt="2021-03-24T12:51:53.168" v="12" actId="20577"/>
+      <pc:docMkLst>
+        <pc:docMk/>
+      </pc:docMkLst>
+      <pc:sldChg chg="modSp mod">
+        <pc:chgData name="Gerth Stølting Brodal" userId="04ef4784-6591-4f86-a140-f5c3b108582a" providerId="ADAL" clId="{FF0607A2-90B5-4D94-9A2D-E7F06D4272F1}" dt="2021-03-24T12:51:53.168" v="12" actId="20577"/>
+        <pc:sldMkLst>
+          <pc:docMk/>
+          <pc:sldMk cId="752883233" sldId="719"/>
+        </pc:sldMkLst>
+        <pc:graphicFrameChg chg="modGraphic">
+          <ac:chgData name="Gerth Stølting Brodal" userId="04ef4784-6591-4f86-a140-f5c3b108582a" providerId="ADAL" clId="{FF0607A2-90B5-4D94-9A2D-E7F06D4272F1}" dt="2021-03-24T12:51:53.168" v="12" actId="20577"/>
+          <ac:graphicFrameMkLst>
+            <pc:docMk/>
+            <pc:sldMk cId="752883233" sldId="719"/>
+            <ac:graphicFrameMk id="4" creationId="{00000000-0000-0000-0000-000000000000}"/>
+          </ac:graphicFrameMkLst>
+        </pc:graphicFrameChg>
+      </pc:sldChg>
+      <pc:sldChg chg="modTransition">
+        <pc:chgData name="Gerth Stølting Brodal" userId="04ef4784-6591-4f86-a140-f5c3b108582a" providerId="ADAL" clId="{FF0607A2-90B5-4D94-9A2D-E7F06D4272F1}" dt="2021-03-22T08:51:54.546" v="0"/>
+        <pc:sldMkLst>
+          <pc:docMk/>
+          <pc:sldMk cId="1706666189" sldId="739"/>
+        </pc:sldMkLst>
+      </pc:sldChg>
+      <pc:sldChg chg="modTransition">
+        <pc:chgData name="Gerth Stølting Brodal" userId="04ef4784-6591-4f86-a140-f5c3b108582a" providerId="ADAL" clId="{FF0607A2-90B5-4D94-9A2D-E7F06D4272F1}" dt="2021-03-22T08:51:54.546" v="0"/>
+        <pc:sldMkLst>
+          <pc:docMk/>
+          <pc:sldMk cId="523084957" sldId="740"/>
+        </pc:sldMkLst>
+      </pc:sldChg>
+      <pc:sldChg chg="modTransition">
+        <pc:chgData name="Gerth Stølting Brodal" userId="04ef4784-6591-4f86-a140-f5c3b108582a" providerId="ADAL" clId="{FF0607A2-90B5-4D94-9A2D-E7F06D4272F1}" dt="2021-03-22T08:51:54.546" v="0"/>
+        <pc:sldMkLst>
+          <pc:docMk/>
+          <pc:sldMk cId="1665259652" sldId="741"/>
+        </pc:sldMkLst>
+      </pc:sldChg>
+    </pc:docChg>
+  </pc:docChgLst>
 </pc:chgInfo>
 </file>
 
@@ -419,7 +419,7 @@
           <a:p>
             <a:fld id="{FB1A172F-81D4-4DC4-9113-1DBD56EC3646}" type="datetimeFigureOut">
               <a:rPr lang="en-US" smtClean="0"/>
-              <a:t>3/20/2023</a:t>
+              <a:t>3/17/2024</a:t>
             </a:fld>
             <a:endParaRPr lang="en-US"/>
           </a:p>
@@ -749,6 +749,43 @@
             <a:r>
               <a:rPr lang="en-US" dirty="0"/>
               <a:t>__</a:t>
+            </a:r>
+          </a:p>
+          <a:p>
+            <a:endParaRPr lang="en-US" dirty="0"/>
+          </a:p>
+          <a:p>
+            <a:r>
+              <a:rPr lang="en-US" dirty="0"/>
+              <a:t>&gt; import </a:t>
+            </a:r>
+            <a:r>
+              <a:rPr lang="en-US" dirty="0" err="1"/>
+              <a:t>numpy</a:t>
+            </a:r>
+            <a:r>
+              <a:rPr lang="en-US" dirty="0"/>
+              <a:t> as np</a:t>
+            </a:r>
+          </a:p>
+          <a:p>
+            <a:r>
+              <a:rPr lang="en-US" dirty="0"/>
+              <a:t>&gt; x = </a:t>
+            </a:r>
+            <a:r>
+              <a:rPr lang="en-US" dirty="0" err="1"/>
+              <a:t>np.array</a:t>
+            </a:r>
+            <a:r>
+              <a:rPr lang="en-US" dirty="0"/>
+              <a:t>([[1, 2], [3, 4]])</a:t>
+            </a:r>
+          </a:p>
+          <a:p>
+            <a:r>
+              <a:rPr lang="en-US" dirty="0"/>
+              <a:t>&gt; x @ x</a:t>
             </a:r>
           </a:p>
           <a:p>
@@ -1025,7 +1062,68 @@
           <a:bodyPr/>
           <a:lstStyle/>
           <a:p>
+            <a:r>
+              <a:rPr lang="en-US" dirty="0"/>
+              <a:t>def void(*</a:t>
+            </a:r>
+            <a:r>
+              <a:rPr lang="en-US" dirty="0" err="1"/>
+              <a:t>args</a:t>
+            </a:r>
+            <a:r>
+              <a:rPr lang="en-US" dirty="0"/>
+              <a:t>):</a:t>
+            </a:r>
+          </a:p>
+          <a:p>
+            <a:r>
+              <a:rPr lang="en-US" dirty="0"/>
+              <a:t>    pass</a:t>
+            </a:r>
+          </a:p>
+          <a:p>
             <a:endParaRPr lang="en-US" dirty="0"/>
+          </a:p>
+          <a:p>
+            <a:r>
+              <a:rPr lang="en-US" dirty="0"/>
+              <a:t>def </a:t>
+            </a:r>
+            <a:r>
+              <a:rPr lang="en-US" dirty="0" err="1"/>
+              <a:t>void_decorator</a:t>
+            </a:r>
+            <a:r>
+              <a:rPr lang="en-US" dirty="0"/>
+              <a:t>(f):</a:t>
+            </a:r>
+          </a:p>
+          <a:p>
+            <a:r>
+              <a:rPr lang="en-US" dirty="0"/>
+              <a:t>    return void</a:t>
+            </a:r>
+          </a:p>
+          <a:p>
+            <a:endParaRPr lang="en-US" dirty="0"/>
+          </a:p>
+          <a:p>
+            <a:r>
+              <a:rPr lang="en-US" b="1" dirty="0"/>
+              <a:t>@void_decorator</a:t>
+            </a:r>
+          </a:p>
+          <a:p>
+            <a:r>
+              <a:rPr lang="en-US" dirty="0"/>
+              <a:t>def f(x):</a:t>
+            </a:r>
+          </a:p>
+          <a:p>
+            <a:r>
+              <a:rPr lang="en-US" dirty="0"/>
+              <a:t>    print('x is', x)</a:t>
+            </a:r>
           </a:p>
         </p:txBody>
       </p:sp>
@@ -1974,10 +2072,9 @@
               <a:t>reflected</a:t>
             </a:r>
             <a:r>
-              <a:rPr lang="da-DK"/>
+              <a:rPr lang="da-DK" dirty="0"/>
               <a:t> at https://docs.python.org/3/reference/datamodel.html</a:t>
             </a:r>
-            <a:endParaRPr lang="da-DK" dirty="0"/>
           </a:p>
         </p:txBody>
       </p:sp>
@@ -2154,7 +2251,7 @@
           <a:p>
             <a:fld id="{0560A9CD-0304-4E0B-9E82-E7E0115DE05B}" type="datetimeFigureOut">
               <a:rPr lang="en-US" smtClean="0"/>
-              <a:t>3/20/2023</a:t>
+              <a:t>3/17/2024</a:t>
             </a:fld>
             <a:endParaRPr lang="en-US"/>
           </a:p>
@@ -2322,7 +2419,7 @@
           <a:p>
             <a:fld id="{0560A9CD-0304-4E0B-9E82-E7E0115DE05B}" type="datetimeFigureOut">
               <a:rPr lang="en-US" smtClean="0"/>
-              <a:t>3/20/2023</a:t>
+              <a:t>3/17/2024</a:t>
             </a:fld>
             <a:endParaRPr lang="en-US"/>
           </a:p>
@@ -2500,7 +2597,7 @@
           <a:p>
             <a:fld id="{0560A9CD-0304-4E0B-9E82-E7E0115DE05B}" type="datetimeFigureOut">
               <a:rPr lang="en-US" smtClean="0"/>
-              <a:t>3/20/2023</a:t>
+              <a:t>3/17/2024</a:t>
             </a:fld>
             <a:endParaRPr lang="en-US"/>
           </a:p>
@@ -2683,7 +2780,7 @@
           <a:p>
             <a:fld id="{0560A9CD-0304-4E0B-9E82-E7E0115DE05B}" type="datetimeFigureOut">
               <a:rPr lang="en-US" smtClean="0"/>
-              <a:t>3/20/2023</a:t>
+              <a:t>3/17/2024</a:t>
             </a:fld>
             <a:endParaRPr lang="en-US"/>
           </a:p>
@@ -2928,7 +3025,7 @@
           <a:p>
             <a:fld id="{0560A9CD-0304-4E0B-9E82-E7E0115DE05B}" type="datetimeFigureOut">
               <a:rPr lang="en-US" smtClean="0"/>
-              <a:t>3/20/2023</a:t>
+              <a:t>3/17/2024</a:t>
             </a:fld>
             <a:endParaRPr lang="en-US"/>
           </a:p>
@@ -3157,7 +3254,7 @@
           <a:p>
             <a:fld id="{0560A9CD-0304-4E0B-9E82-E7E0115DE05B}" type="datetimeFigureOut">
               <a:rPr lang="en-US" smtClean="0"/>
-              <a:t>3/20/2023</a:t>
+              <a:t>3/17/2024</a:t>
             </a:fld>
             <a:endParaRPr lang="en-US"/>
           </a:p>
@@ -3521,7 +3618,7 @@
           <a:p>
             <a:fld id="{0560A9CD-0304-4E0B-9E82-E7E0115DE05B}" type="datetimeFigureOut">
               <a:rPr lang="en-US" smtClean="0"/>
-              <a:t>3/20/2023</a:t>
+              <a:t>3/17/2024</a:t>
             </a:fld>
             <a:endParaRPr lang="en-US"/>
           </a:p>
@@ -3638,7 +3735,7 @@
           <a:p>
             <a:fld id="{0560A9CD-0304-4E0B-9E82-E7E0115DE05B}" type="datetimeFigureOut">
               <a:rPr lang="en-US" smtClean="0"/>
-              <a:t>3/20/2023</a:t>
+              <a:t>3/17/2024</a:t>
             </a:fld>
             <a:endParaRPr lang="en-US"/>
           </a:p>
@@ -3733,7 +3830,7 @@
           <a:p>
             <a:fld id="{0560A9CD-0304-4E0B-9E82-E7E0115DE05B}" type="datetimeFigureOut">
               <a:rPr lang="en-US" smtClean="0"/>
-              <a:t>3/20/2023</a:t>
+              <a:t>3/17/2024</a:t>
             </a:fld>
             <a:endParaRPr lang="en-US"/>
           </a:p>
@@ -4008,7 +4105,7 @@
           <a:p>
             <a:fld id="{0560A9CD-0304-4E0B-9E82-E7E0115DE05B}" type="datetimeFigureOut">
               <a:rPr lang="en-US" smtClean="0"/>
-              <a:t>3/20/2023</a:t>
+              <a:t>3/17/2024</a:t>
             </a:fld>
             <a:endParaRPr lang="en-US"/>
           </a:p>
@@ -4260,7 +4357,7 @@
           <a:p>
             <a:fld id="{0560A9CD-0304-4E0B-9E82-E7E0115DE05B}" type="datetimeFigureOut">
               <a:rPr lang="en-US" smtClean="0"/>
-              <a:t>3/20/2023</a:t>
+              <a:t>3/17/2024</a:t>
             </a:fld>
             <a:endParaRPr lang="en-US"/>
           </a:p>
@@ -4471,7 +4568,7 @@
           <a:p>
             <a:fld id="{0560A9CD-0304-4E0B-9E82-E7E0115DE05B}" type="datetimeFigureOut">
               <a:rPr lang="en-US" smtClean="0"/>
-              <a:t>3/20/2023</a:t>
+              <a:t>3/17/2024</a:t>
             </a:fld>
             <a:endParaRPr lang="en-US"/>
           </a:p>
@@ -10284,162 +10381,6 @@
   <p:clrMapOvr>
     <a:masterClrMapping/>
   </p:clrMapOvr>
-  <p:timing>
-    <p:tnLst>
-      <p:par>
-        <p:cTn id="1" dur="indefinite" restart="never" nodeType="tmRoot">
-          <p:childTnLst>
-            <p:seq concurrent="1" nextAc="seek">
-              <p:cTn id="2" dur="indefinite" nodeType="mainSeq">
-                <p:childTnLst>
-                  <p:par>
-                    <p:cTn id="3" fill="hold">
-                      <p:stCondLst>
-                        <p:cond delay="indefinite"/>
-                      </p:stCondLst>
-                      <p:childTnLst>
-                        <p:par>
-                          <p:cTn id="4" fill="hold">
-                            <p:stCondLst>
-                              <p:cond delay="0"/>
-                            </p:stCondLst>
-                            <p:childTnLst>
-                              <p:par>
-                                <p:cTn id="5" presetID="10" presetClass="entr" presetSubtype="0" fill="hold" nodeType="clickEffect">
-                                  <p:stCondLst>
-                                    <p:cond delay="0"/>
-                                  </p:stCondLst>
-                                  <p:childTnLst>
-                                    <p:set>
-                                      <p:cBhvr>
-                                        <p:cTn id="6" dur="1" fill="hold">
-                                          <p:stCondLst>
-                                            <p:cond delay="0"/>
-                                          </p:stCondLst>
-                                        </p:cTn>
-                                        <p:tgtEl>
-                                          <p:spTgt spid="5"/>
-                                        </p:tgtEl>
-                                        <p:attrNameLst>
-                                          <p:attrName>style.visibility</p:attrName>
-                                        </p:attrNameLst>
-                                      </p:cBhvr>
-                                      <p:to>
-                                        <p:strVal val="visible"/>
-                                      </p:to>
-                                    </p:set>
-                                    <p:animEffect transition="in" filter="fade">
-                                      <p:cBhvr>
-                                        <p:cTn id="7" dur="500"/>
-                                        <p:tgtEl>
-                                          <p:spTgt spid="5"/>
-                                        </p:tgtEl>
-                                      </p:cBhvr>
-                                    </p:animEffect>
-                                  </p:childTnLst>
-                                </p:cTn>
-                              </p:par>
-                              <p:par>
-                                <p:cTn id="8" presetID="10" presetClass="entr" presetSubtype="0" fill="hold" nodeType="withEffect">
-                                  <p:stCondLst>
-                                    <p:cond delay="0"/>
-                                  </p:stCondLst>
-                                  <p:childTnLst>
-                                    <p:set>
-                                      <p:cBhvr>
-                                        <p:cTn id="9" dur="1" fill="hold">
-                                          <p:stCondLst>
-                                            <p:cond delay="0"/>
-                                          </p:stCondLst>
-                                        </p:cTn>
-                                        <p:tgtEl>
-                                          <p:spTgt spid="6"/>
-                                        </p:tgtEl>
-                                        <p:attrNameLst>
-                                          <p:attrName>style.visibility</p:attrName>
-                                        </p:attrNameLst>
-                                      </p:cBhvr>
-                                      <p:to>
-                                        <p:strVal val="visible"/>
-                                      </p:to>
-                                    </p:set>
-                                    <p:animEffect transition="in" filter="fade">
-                                      <p:cBhvr>
-                                        <p:cTn id="10" dur="500"/>
-                                        <p:tgtEl>
-                                          <p:spTgt spid="6"/>
-                                        </p:tgtEl>
-                                      </p:cBhvr>
-                                    </p:animEffect>
-                                  </p:childTnLst>
-                                </p:cTn>
-                              </p:par>
-                              <p:par>
-                                <p:cTn id="11" presetID="10" presetClass="entr" presetSubtype="0" fill="hold" grpId="0" nodeType="withEffect">
-                                  <p:stCondLst>
-                                    <p:cond delay="0"/>
-                                  </p:stCondLst>
-                                  <p:childTnLst>
-                                    <p:set>
-                                      <p:cBhvr>
-                                        <p:cTn id="12" dur="1" fill="hold">
-                                          <p:stCondLst>
-                                            <p:cond delay="0"/>
-                                          </p:stCondLst>
-                                        </p:cTn>
-                                        <p:tgtEl>
-                                          <p:spTgt spid="7"/>
-                                        </p:tgtEl>
-                                        <p:attrNameLst>
-                                          <p:attrName>style.visibility</p:attrName>
-                                        </p:attrNameLst>
-                                      </p:cBhvr>
-                                      <p:to>
-                                        <p:strVal val="visible"/>
-                                      </p:to>
-                                    </p:set>
-                                    <p:animEffect transition="in" filter="fade">
-                                      <p:cBhvr>
-                                        <p:cTn id="13" dur="500"/>
-                                        <p:tgtEl>
-                                          <p:spTgt spid="7"/>
-                                        </p:tgtEl>
-                                      </p:cBhvr>
-                                    </p:animEffect>
-                                  </p:childTnLst>
-                                </p:cTn>
-                              </p:par>
-                            </p:childTnLst>
-                          </p:cTn>
-                        </p:par>
-                      </p:childTnLst>
-                    </p:cTn>
-                  </p:par>
-                </p:childTnLst>
-              </p:cTn>
-              <p:prevCondLst>
-                <p:cond evt="onPrev" delay="0">
-                  <p:tgtEl>
-                    <p:sldTgt/>
-                  </p:tgtEl>
-                </p:cond>
-              </p:prevCondLst>
-              <p:nextCondLst>
-                <p:cond evt="onNext" delay="0">
-                  <p:tgtEl>
-                    <p:sldTgt/>
-                  </p:tgtEl>
-                </p:cond>
-              </p:nextCondLst>
-            </p:seq>
-          </p:childTnLst>
-        </p:cTn>
-      </p:par>
-    </p:tnLst>
-    <p:bldLst>
-      <p:bldP spid="7" grpId="0"/>
-    </p:bldLst>
-  </p:timing>
 </p:sld>
 </file>
 
@@ -10505,7 +10446,7 @@
           <p:nvPr>
             <p:extLst>
               <p:ext uri="{D42A27DB-BD31-4B8C-83A1-F6EECF244321}">
-                <p14:modId xmlns:p14="http://schemas.microsoft.com/office/powerpoint/2010/main" val="2069968495"/>
+                <p14:modId xmlns:p14="http://schemas.microsoft.com/office/powerpoint/2010/main" val="1392779985"/>
               </p:ext>
             </p:extLst>
           </p:nvPr>
@@ -10770,6 +10711,16 @@
                       <a:r>
                         <a:rPr lang="en-US" sz="1600" b="1" dirty="0">
                           <a:solidFill>
+                            <a:schemeClr val="tx1"/>
+                          </a:solidFill>
+                          <a:latin typeface="Courier New" panose="02070309020205020404" pitchFamily="49" charset="0"/>
+                          <a:cs typeface="Courier New" panose="02070309020205020404" pitchFamily="49" charset="0"/>
+                        </a:rPr>
+                        <a:t>result = </a:t>
+                      </a:r>
+                      <a:r>
+                        <a:rPr lang="en-US" sz="1600" b="1" dirty="0">
+                          <a:solidFill>
                             <a:schemeClr val="accent1">
                               <a:lumMod val="50000"/>
                             </a:schemeClr>
@@ -10777,7 +10728,7 @@
                           <a:latin typeface="Courier New" panose="02070309020205020404" pitchFamily="49" charset="0"/>
                           <a:cs typeface="Courier New" panose="02070309020205020404" pitchFamily="49" charset="0"/>
                         </a:rPr>
-                        <a:t>result = f(*</a:t>
+                        <a:t>f(*</a:t>
                       </a:r>
                       <a:r>
                         <a:rPr lang="en-US" sz="1600" b="1" dirty="0" err="1">
@@ -14827,14 +14778,14 @@
           <p:nvPr>
             <p:extLst>
               <p:ext uri="{D42A27DB-BD31-4B8C-83A1-F6EECF244321}">
-                <p14:modId xmlns:p14="http://schemas.microsoft.com/office/powerpoint/2010/main" val="2217196922"/>
+                <p14:modId xmlns:p14="http://schemas.microsoft.com/office/powerpoint/2010/main" val="4236222948"/>
               </p:ext>
             </p:extLst>
           </p:nvPr>
         </p:nvGraphicFramePr>
         <p:xfrm>
           <a:off x="2254885" y="2545698"/>
-          <a:ext cx="7682230" cy="3256210"/>
+          <a:ext cx="7682230" cy="3332410"/>
         </p:xfrm>
         <a:graphic>
           <a:graphicData uri="http://schemas.openxmlformats.org/drawingml/2006/table">
@@ -14966,7 +14917,7 @@
                           <a:spcPts val="0"/>
                         </a:spcBef>
                         <a:spcAft>
-                          <a:spcPts val="0"/>
+                          <a:spcPts val="600"/>
                         </a:spcAft>
                         <a:buClr>
                           <a:srgbClr val="C00000"/>
@@ -15784,14 +15735,14 @@
           <p:nvPr>
             <p:extLst>
               <p:ext uri="{D42A27DB-BD31-4B8C-83A1-F6EECF244321}">
-                <p14:modId xmlns:p14="http://schemas.microsoft.com/office/powerpoint/2010/main" val="4193042726"/>
+                <p14:modId xmlns:p14="http://schemas.microsoft.com/office/powerpoint/2010/main" val="2301895491"/>
               </p:ext>
             </p:extLst>
           </p:nvPr>
         </p:nvGraphicFramePr>
         <p:xfrm>
-          <a:off x="166974" y="1640033"/>
-          <a:ext cx="8372793" cy="5044440"/>
+          <a:off x="166974" y="1883873"/>
+          <a:ext cx="8372793" cy="4800600"/>
         </p:xfrm>
         <a:graphic>
           <a:graphicData uri="http://schemas.openxmlformats.org/drawingml/2006/table">
@@ -16211,20 +16162,6 @@
                     <a:p>
                       <a:pPr>
                         <a:spcAft>
-                          <a:spcPts val="0"/>
-                        </a:spcAft>
-                      </a:pPr>
-                      <a:r>
-                        <a:rPr lang="en-US" sz="1600" b="1" dirty="0">
-                          <a:latin typeface="Courier New" panose="02070309020205020404" pitchFamily="49" charset="0"/>
-                          <a:cs typeface="Courier New" panose="02070309020205020404" pitchFamily="49" charset="0"/>
-                        </a:rPr>
-                        <a:t>        return (self.name == other.name</a:t>
-                      </a:r>
-                    </a:p>
-                    <a:p>
-                      <a:pPr>
-                        <a:spcAft>
                           <a:spcPts val="600"/>
                         </a:spcAft>
                       </a:pPr>
@@ -16233,7 +16170,7 @@
                           <a:latin typeface="Courier New" panose="02070309020205020404" pitchFamily="49" charset="0"/>
                           <a:cs typeface="Courier New" panose="02070309020205020404" pitchFamily="49" charset="0"/>
                         </a:rPr>
-                        <a:t>                and self.id == other.id)</a:t>
+                        <a:t>        return (self.name == other.name and self.id == other.id)</a:t>
                       </a:r>
                     </a:p>
                     <a:p>
@@ -16601,7 +16538,7 @@
           <p:nvPr>
             <p:extLst>
               <p:ext uri="{D42A27DB-BD31-4B8C-83A1-F6EECF244321}">
-                <p14:modId xmlns:p14="http://schemas.microsoft.com/office/powerpoint/2010/main" val="224049699"/>
+                <p14:modId xmlns:p14="http://schemas.microsoft.com/office/powerpoint/2010/main" val="195503085"/>
               </p:ext>
             </p:extLst>
           </p:nvPr>

--- a/ipsa/slides/decorators.pptx
+++ b/ipsa/slides/decorators.pptx
@@ -134,161 +134,8 @@
 </p:presentation>
 </file>
 
-<file path=ppt/revisionInfo.xml><?xml version="1.0" encoding="utf-8"?>
-<p1510:revInfo xmlns:a="http://schemas.openxmlformats.org/drawingml/2006/main" xmlns:r="http://schemas.openxmlformats.org/officeDocument/2006/relationships" xmlns:p1510="http://schemas.microsoft.com/office/powerpoint/2015/10/main">
-  <p1510:revLst>
-    <p1510:client id="{49DDEC1E-38A8-4C37-8499-4049F935AE5A}" v="6" dt="2023-03-10T23:54:40.289"/>
-  </p1510:revLst>
-</p1510:revInfo>
-</file>
-
 <file path=ppt/changesInfos/changesInfo1.xml><?xml version="1.0" encoding="utf-8"?>
 <pc:chgInfo xmlns:a="http://schemas.openxmlformats.org/drawingml/2006/main" xmlns:r="http://schemas.openxmlformats.org/officeDocument/2006/relationships" xmlns:ac="http://schemas.microsoft.com/office/drawing/2013/main/command" xmlns:pc="http://schemas.microsoft.com/office/powerpoint/2013/main/command">
-  <pc:docChgLst>
-    <pc:chgData name="Gerth Stølting Brodal" userId="04ef4784-6591-4f86-a140-f5c3b108582a" providerId="ADAL" clId="{49DDEC1E-38A8-4C37-8499-4049F935AE5A}"/>
-    <pc:docChg chg="undo redo custSel modSld">
-      <pc:chgData name="Gerth Stølting Brodal" userId="04ef4784-6591-4f86-a140-f5c3b108582a" providerId="ADAL" clId="{49DDEC1E-38A8-4C37-8499-4049F935AE5A}" dt="2023-03-20T07:23:13.100" v="322" actId="1036"/>
-      <pc:docMkLst>
-        <pc:docMk/>
-      </pc:docMkLst>
-      <pc:sldChg chg="modSp mod modNotesTx">
-        <pc:chgData name="Gerth Stølting Brodal" userId="04ef4784-6591-4f86-a140-f5c3b108582a" providerId="ADAL" clId="{49DDEC1E-38A8-4C37-8499-4049F935AE5A}" dt="2023-03-20T07:23:13.100" v="322" actId="1036"/>
-        <pc:sldMkLst>
-          <pc:docMk/>
-          <pc:sldMk cId="1986006132" sldId="478"/>
-        </pc:sldMkLst>
-        <pc:spChg chg="mod">
-          <ac:chgData name="Gerth Stølting Brodal" userId="04ef4784-6591-4f86-a140-f5c3b108582a" providerId="ADAL" clId="{49DDEC1E-38A8-4C37-8499-4049F935AE5A}" dt="2023-03-20T07:23:13.100" v="322" actId="1036"/>
-          <ac:spMkLst>
-            <pc:docMk/>
-            <pc:sldMk cId="1986006132" sldId="478"/>
-            <ac:spMk id="2" creationId="{00000000-0000-0000-0000-000000000000}"/>
-          </ac:spMkLst>
-        </pc:spChg>
-      </pc:sldChg>
-      <pc:sldChg chg="modNotesTx">
-        <pc:chgData name="Gerth Stølting Brodal" userId="04ef4784-6591-4f86-a140-f5c3b108582a" providerId="ADAL" clId="{49DDEC1E-38A8-4C37-8499-4049F935AE5A}" dt="2023-03-18T02:06:20.087" v="278" actId="20577"/>
-        <pc:sldMkLst>
-          <pc:docMk/>
-          <pc:sldMk cId="27977411" sldId="742"/>
-        </pc:sldMkLst>
-      </pc:sldChg>
-      <pc:sldChg chg="modSp mod">
-        <pc:chgData name="Gerth Stølting Brodal" userId="04ef4784-6591-4f86-a140-f5c3b108582a" providerId="ADAL" clId="{49DDEC1E-38A8-4C37-8499-4049F935AE5A}" dt="2023-03-10T23:46:02.009" v="21" actId="6549"/>
-        <pc:sldMkLst>
-          <pc:docMk/>
-          <pc:sldMk cId="4266574988" sldId="743"/>
-        </pc:sldMkLst>
-        <pc:graphicFrameChg chg="mod modGraphic">
-          <ac:chgData name="Gerth Stølting Brodal" userId="04ef4784-6591-4f86-a140-f5c3b108582a" providerId="ADAL" clId="{49DDEC1E-38A8-4C37-8499-4049F935AE5A}" dt="2023-03-10T23:46:02.009" v="21" actId="6549"/>
-          <ac:graphicFrameMkLst>
-            <pc:docMk/>
-            <pc:sldMk cId="4266574988" sldId="743"/>
-            <ac:graphicFrameMk id="4" creationId="{00000000-0000-0000-0000-000000000000}"/>
-          </ac:graphicFrameMkLst>
-        </pc:graphicFrameChg>
-      </pc:sldChg>
-      <pc:sldChg chg="modSp mod">
-        <pc:chgData name="Gerth Stølting Brodal" userId="04ef4784-6591-4f86-a140-f5c3b108582a" providerId="ADAL" clId="{49DDEC1E-38A8-4C37-8499-4049F935AE5A}" dt="2023-03-10T23:48:00.193" v="41" actId="313"/>
-        <pc:sldMkLst>
-          <pc:docMk/>
-          <pc:sldMk cId="2191884848" sldId="753"/>
-        </pc:sldMkLst>
-        <pc:graphicFrameChg chg="modGraphic">
-          <ac:chgData name="Gerth Stølting Brodal" userId="04ef4784-6591-4f86-a140-f5c3b108582a" providerId="ADAL" clId="{49DDEC1E-38A8-4C37-8499-4049F935AE5A}" dt="2023-03-10T23:47:58.314" v="39" actId="313"/>
-          <ac:graphicFrameMkLst>
-            <pc:docMk/>
-            <pc:sldMk cId="2191884848" sldId="753"/>
-            <ac:graphicFrameMk id="4" creationId="{00000000-0000-0000-0000-000000000000}"/>
-          </ac:graphicFrameMkLst>
-        </pc:graphicFrameChg>
-        <pc:graphicFrameChg chg="modGraphic">
-          <ac:chgData name="Gerth Stølting Brodal" userId="04ef4784-6591-4f86-a140-f5c3b108582a" providerId="ADAL" clId="{49DDEC1E-38A8-4C37-8499-4049F935AE5A}" dt="2023-03-10T23:48:00.193" v="41" actId="313"/>
-          <ac:graphicFrameMkLst>
-            <pc:docMk/>
-            <pc:sldMk cId="2191884848" sldId="753"/>
-            <ac:graphicFrameMk id="5" creationId="{00000000-0000-0000-0000-000000000000}"/>
-          </ac:graphicFrameMkLst>
-        </pc:graphicFrameChg>
-      </pc:sldChg>
-      <pc:sldChg chg="modSp mod addAnim delAnim">
-        <pc:chgData name="Gerth Stølting Brodal" userId="04ef4784-6591-4f86-a140-f5c3b108582a" providerId="ADAL" clId="{49DDEC1E-38A8-4C37-8499-4049F935AE5A}" dt="2023-03-10T23:46:58.878" v="37" actId="313"/>
-        <pc:sldMkLst>
-          <pc:docMk/>
-          <pc:sldMk cId="276098007" sldId="757"/>
-        </pc:sldMkLst>
-        <pc:graphicFrameChg chg="modGraphic">
-          <ac:chgData name="Gerth Stølting Brodal" userId="04ef4784-6591-4f86-a140-f5c3b108582a" providerId="ADAL" clId="{49DDEC1E-38A8-4C37-8499-4049F935AE5A}" dt="2023-03-10T23:46:36.216" v="31" actId="6549"/>
-          <ac:graphicFrameMkLst>
-            <pc:docMk/>
-            <pc:sldMk cId="276098007" sldId="757"/>
-            <ac:graphicFrameMk id="4" creationId="{00000000-0000-0000-0000-000000000000}"/>
-          </ac:graphicFrameMkLst>
-        </pc:graphicFrameChg>
-        <pc:graphicFrameChg chg="modGraphic">
-          <ac:chgData name="Gerth Stølting Brodal" userId="04ef4784-6591-4f86-a140-f5c3b108582a" providerId="ADAL" clId="{49DDEC1E-38A8-4C37-8499-4049F935AE5A}" dt="2023-03-10T23:46:58.878" v="37" actId="313"/>
-          <ac:graphicFrameMkLst>
-            <pc:docMk/>
-            <pc:sldMk cId="276098007" sldId="757"/>
-            <ac:graphicFrameMk id="5" creationId="{00000000-0000-0000-0000-000000000000}"/>
-          </ac:graphicFrameMkLst>
-        </pc:graphicFrameChg>
-      </pc:sldChg>
-      <pc:sldChg chg="modSp mod">
-        <pc:chgData name="Gerth Stølting Brodal" userId="04ef4784-6591-4f86-a140-f5c3b108582a" providerId="ADAL" clId="{49DDEC1E-38A8-4C37-8499-4049F935AE5A}" dt="2023-03-10T23:55:09.257" v="75" actId="20577"/>
-        <pc:sldMkLst>
-          <pc:docMk/>
-          <pc:sldMk cId="886526213" sldId="759"/>
-        </pc:sldMkLst>
-        <pc:graphicFrameChg chg="mod modGraphic">
-          <ac:chgData name="Gerth Stølting Brodal" userId="04ef4784-6591-4f86-a140-f5c3b108582a" providerId="ADAL" clId="{49DDEC1E-38A8-4C37-8499-4049F935AE5A}" dt="2023-03-10T23:55:09.257" v="75" actId="20577"/>
-          <ac:graphicFrameMkLst>
-            <pc:docMk/>
-            <pc:sldMk cId="886526213" sldId="759"/>
-            <ac:graphicFrameMk id="4" creationId="{00000000-0000-0000-0000-000000000000}"/>
-          </ac:graphicFrameMkLst>
-        </pc:graphicFrameChg>
-      </pc:sldChg>
-      <pc:sldChg chg="modNotesTx">
-        <pc:chgData name="Gerth Stølting Brodal" userId="04ef4784-6591-4f86-a140-f5c3b108582a" providerId="ADAL" clId="{49DDEC1E-38A8-4C37-8499-4049F935AE5A}" dt="2023-03-19T18:01:10.702" v="320" actId="6549"/>
-        <pc:sldMkLst>
-          <pc:docMk/>
-          <pc:sldMk cId="3101050196" sldId="761"/>
-        </pc:sldMkLst>
-      </pc:sldChg>
-      <pc:sldChg chg="modNotesTx">
-        <pc:chgData name="Gerth Stølting Brodal" userId="04ef4784-6591-4f86-a140-f5c3b108582a" providerId="ADAL" clId="{49DDEC1E-38A8-4C37-8499-4049F935AE5A}" dt="2023-03-18T02:42:23.457" v="313" actId="20577"/>
-        <pc:sldMkLst>
-          <pc:docMk/>
-          <pc:sldMk cId="907462681" sldId="764"/>
-        </pc:sldMkLst>
-      </pc:sldChg>
-    </pc:docChg>
-  </pc:docChgLst>
-  <pc:docChgLst>
-    <pc:chgData name="Gerth Stølting Brodal" userId="04ef4784-6591-4f86-a140-f5c3b108582a" providerId="ADAL" clId="{A92BEAE8-2EDA-457D-83DA-8465CF1F550C}"/>
-    <pc:docChg chg="custSel modSld">
-      <pc:chgData name="Gerth Stølting Brodal" userId="04ef4784-6591-4f86-a140-f5c3b108582a" providerId="ADAL" clId="{A92BEAE8-2EDA-457D-83DA-8465CF1F550C}" dt="2022-03-22T06:00:45.248" v="55" actId="20577"/>
-      <pc:docMkLst>
-        <pc:docMk/>
-      </pc:docMkLst>
-      <pc:sldChg chg="modSp mod modNotesTx">
-        <pc:chgData name="Gerth Stølting Brodal" userId="04ef4784-6591-4f86-a140-f5c3b108582a" providerId="ADAL" clId="{A92BEAE8-2EDA-457D-83DA-8465CF1F550C}" dt="2022-03-22T06:00:45.248" v="55" actId="20577"/>
-        <pc:sldMkLst>
-          <pc:docMk/>
-          <pc:sldMk cId="907462681" sldId="764"/>
-        </pc:sldMkLst>
-        <pc:graphicFrameChg chg="mod modGraphic">
-          <ac:chgData name="Gerth Stølting Brodal" userId="04ef4784-6591-4f86-a140-f5c3b108582a" providerId="ADAL" clId="{A92BEAE8-2EDA-457D-83DA-8465CF1F550C}" dt="2022-03-20T22:46:39.920" v="28" actId="207"/>
-          <ac:graphicFrameMkLst>
-            <pc:docMk/>
-            <pc:sldMk cId="907462681" sldId="764"/>
-            <ac:graphicFrameMk id="5" creationId="{3C4BA663-435A-4D48-AE4E-2D56112B93E9}"/>
-          </ac:graphicFrameMkLst>
-        </pc:graphicFrameChg>
-      </pc:sldChg>
-    </pc:docChg>
-  </pc:docChgLst>
   <pc:docChgLst>
     <pc:chgData name="Gerth Stølting Brodal" userId="04ef4784-6591-4f86-a140-f5c3b108582a" providerId="ADAL" clId="{FF0607A2-90B5-4D94-9A2D-E7F06D4272F1}"/>
     <pc:docChg chg="modSld">
@@ -302,14 +149,6 @@
           <pc:docMk/>
           <pc:sldMk cId="752883233" sldId="719"/>
         </pc:sldMkLst>
-        <pc:graphicFrameChg chg="modGraphic">
-          <ac:chgData name="Gerth Stølting Brodal" userId="04ef4784-6591-4f86-a140-f5c3b108582a" providerId="ADAL" clId="{FF0607A2-90B5-4D94-9A2D-E7F06D4272F1}" dt="2021-03-24T12:51:53.168" v="12" actId="20577"/>
-          <ac:graphicFrameMkLst>
-            <pc:docMk/>
-            <pc:sldMk cId="752883233" sldId="719"/>
-            <ac:graphicFrameMk id="4" creationId="{00000000-0000-0000-0000-000000000000}"/>
-          </ac:graphicFrameMkLst>
-        </pc:graphicFrameChg>
       </pc:sldChg>
       <pc:sldChg chg="modTransition">
         <pc:chgData name="Gerth Stølting Brodal" userId="04ef4784-6591-4f86-a140-f5c3b108582a" providerId="ADAL" clId="{FF0607A2-90B5-4D94-9A2D-E7F06D4272F1}" dt="2021-03-22T08:51:54.546" v="0"/>
@@ -330,6 +169,126 @@
         <pc:sldMkLst>
           <pc:docMk/>
           <pc:sldMk cId="1665259652" sldId="741"/>
+        </pc:sldMkLst>
+      </pc:sldChg>
+    </pc:docChg>
+  </pc:docChgLst>
+  <pc:docChgLst>
+    <pc:chgData name="Gerth Stølting Brodal" userId="04ef4784-6591-4f86-a140-f5c3b108582a" providerId="ADAL" clId="{49DDEC1E-38A8-4C37-8499-4049F935AE5A}"/>
+    <pc:docChg chg="undo redo custSel modSld">
+      <pc:chgData name="Gerth Stølting Brodal" userId="04ef4784-6591-4f86-a140-f5c3b108582a" providerId="ADAL" clId="{49DDEC1E-38A8-4C37-8499-4049F935AE5A}" dt="2023-03-20T07:23:13.100" v="322" actId="1036"/>
+      <pc:docMkLst>
+        <pc:docMk/>
+      </pc:docMkLst>
+      <pc:sldChg chg="modSp mod modNotesTx">
+        <pc:chgData name="Gerth Stølting Brodal" userId="04ef4784-6591-4f86-a140-f5c3b108582a" providerId="ADAL" clId="{49DDEC1E-38A8-4C37-8499-4049F935AE5A}" dt="2023-03-20T07:23:13.100" v="322" actId="1036"/>
+        <pc:sldMkLst>
+          <pc:docMk/>
+          <pc:sldMk cId="1986006132" sldId="478"/>
+        </pc:sldMkLst>
+      </pc:sldChg>
+      <pc:sldChg chg="modNotesTx">
+        <pc:chgData name="Gerth Stølting Brodal" userId="04ef4784-6591-4f86-a140-f5c3b108582a" providerId="ADAL" clId="{49DDEC1E-38A8-4C37-8499-4049F935AE5A}" dt="2023-03-18T02:06:20.087" v="278" actId="20577"/>
+        <pc:sldMkLst>
+          <pc:docMk/>
+          <pc:sldMk cId="27977411" sldId="742"/>
+        </pc:sldMkLst>
+      </pc:sldChg>
+      <pc:sldChg chg="modSp mod">
+        <pc:chgData name="Gerth Stølting Brodal" userId="04ef4784-6591-4f86-a140-f5c3b108582a" providerId="ADAL" clId="{49DDEC1E-38A8-4C37-8499-4049F935AE5A}" dt="2023-03-10T23:46:02.009" v="21" actId="6549"/>
+        <pc:sldMkLst>
+          <pc:docMk/>
+          <pc:sldMk cId="4266574988" sldId="743"/>
+        </pc:sldMkLst>
+      </pc:sldChg>
+      <pc:sldChg chg="modSp mod">
+        <pc:chgData name="Gerth Stølting Brodal" userId="04ef4784-6591-4f86-a140-f5c3b108582a" providerId="ADAL" clId="{49DDEC1E-38A8-4C37-8499-4049F935AE5A}" dt="2023-03-10T23:48:00.193" v="41" actId="313"/>
+        <pc:sldMkLst>
+          <pc:docMk/>
+          <pc:sldMk cId="2191884848" sldId="753"/>
+        </pc:sldMkLst>
+      </pc:sldChg>
+      <pc:sldChg chg="modSp mod addAnim delAnim">
+        <pc:chgData name="Gerth Stølting Brodal" userId="04ef4784-6591-4f86-a140-f5c3b108582a" providerId="ADAL" clId="{49DDEC1E-38A8-4C37-8499-4049F935AE5A}" dt="2023-03-10T23:46:58.878" v="37" actId="313"/>
+        <pc:sldMkLst>
+          <pc:docMk/>
+          <pc:sldMk cId="276098007" sldId="757"/>
+        </pc:sldMkLst>
+      </pc:sldChg>
+      <pc:sldChg chg="modSp mod">
+        <pc:chgData name="Gerth Stølting Brodal" userId="04ef4784-6591-4f86-a140-f5c3b108582a" providerId="ADAL" clId="{49DDEC1E-38A8-4C37-8499-4049F935AE5A}" dt="2023-03-10T23:55:09.257" v="75" actId="20577"/>
+        <pc:sldMkLst>
+          <pc:docMk/>
+          <pc:sldMk cId="886526213" sldId="759"/>
+        </pc:sldMkLst>
+      </pc:sldChg>
+      <pc:sldChg chg="modNotesTx">
+        <pc:chgData name="Gerth Stølting Brodal" userId="04ef4784-6591-4f86-a140-f5c3b108582a" providerId="ADAL" clId="{49DDEC1E-38A8-4C37-8499-4049F935AE5A}" dt="2023-03-19T18:01:10.702" v="320" actId="6549"/>
+        <pc:sldMkLst>
+          <pc:docMk/>
+          <pc:sldMk cId="3101050196" sldId="761"/>
+        </pc:sldMkLst>
+      </pc:sldChg>
+      <pc:sldChg chg="modNotesTx">
+        <pc:chgData name="Gerth Stølting Brodal" userId="04ef4784-6591-4f86-a140-f5c3b108582a" providerId="ADAL" clId="{49DDEC1E-38A8-4C37-8499-4049F935AE5A}" dt="2023-03-18T02:42:23.457" v="313" actId="20577"/>
+        <pc:sldMkLst>
+          <pc:docMk/>
+          <pc:sldMk cId="907462681" sldId="764"/>
+        </pc:sldMkLst>
+      </pc:sldChg>
+    </pc:docChg>
+  </pc:docChgLst>
+  <pc:docChgLst>
+    <pc:chgData name="Gerth Stølting Brodal" userId="04ef4784-6591-4f86-a140-f5c3b108582a" providerId="ADAL" clId="{C2B8204D-0016-411F-AD09-B5777711474B}"/>
+    <pc:docChg chg="undo custSel modSld">
+      <pc:chgData name="Gerth Stølting Brodal" userId="04ef4784-6591-4f86-a140-f5c3b108582a" providerId="ADAL" clId="{C2B8204D-0016-411F-AD09-B5777711474B}" dt="2025-03-12T19:06:07.315" v="88" actId="20577"/>
+      <pc:docMkLst>
+        <pc:docMk/>
+      </pc:docMkLst>
+      <pc:sldChg chg="modSp mod">
+        <pc:chgData name="Gerth Stølting Brodal" userId="04ef4784-6591-4f86-a140-f5c3b108582a" providerId="ADAL" clId="{C2B8204D-0016-411F-AD09-B5777711474B}" dt="2025-03-12T19:06:07.315" v="88" actId="20577"/>
+        <pc:sldMkLst>
+          <pc:docMk/>
+          <pc:sldMk cId="752883233" sldId="719"/>
+        </pc:sldMkLst>
+        <pc:graphicFrameChg chg="modGraphic">
+          <ac:chgData name="Gerth Stølting Brodal" userId="04ef4784-6591-4f86-a140-f5c3b108582a" providerId="ADAL" clId="{C2B8204D-0016-411F-AD09-B5777711474B}" dt="2025-03-12T19:06:07.315" v="88" actId="20577"/>
+          <ac:graphicFrameMkLst>
+            <pc:docMk/>
+            <pc:sldMk cId="752883233" sldId="719"/>
+            <ac:graphicFrameMk id="4" creationId="{00000000-0000-0000-0000-000000000000}"/>
+          </ac:graphicFrameMkLst>
+        </pc:graphicFrameChg>
+      </pc:sldChg>
+      <pc:sldChg chg="modSp mod addAnim delAnim">
+        <pc:chgData name="Gerth Stølting Brodal" userId="04ef4784-6591-4f86-a140-f5c3b108582a" providerId="ADAL" clId="{C2B8204D-0016-411F-AD09-B5777711474B}" dt="2025-03-12T16:16:06.796" v="87" actId="20577"/>
+        <pc:sldMkLst>
+          <pc:docMk/>
+          <pc:sldMk cId="128484377" sldId="763"/>
+        </pc:sldMkLst>
+        <pc:graphicFrameChg chg="mod modGraphic">
+          <ac:chgData name="Gerth Stølting Brodal" userId="04ef4784-6591-4f86-a140-f5c3b108582a" providerId="ADAL" clId="{C2B8204D-0016-411F-AD09-B5777711474B}" dt="2025-03-12T16:16:06.796" v="87" actId="20577"/>
+          <ac:graphicFrameMkLst>
+            <pc:docMk/>
+            <pc:sldMk cId="128484377" sldId="763"/>
+            <ac:graphicFrameMk id="8" creationId="{00000000-0000-0000-0000-000000000000}"/>
+          </ac:graphicFrameMkLst>
+        </pc:graphicFrameChg>
+      </pc:sldChg>
+    </pc:docChg>
+  </pc:docChgLst>
+  <pc:docChgLst>
+    <pc:chgData name="Gerth Stølting Brodal" userId="04ef4784-6591-4f86-a140-f5c3b108582a" providerId="ADAL" clId="{A92BEAE8-2EDA-457D-83DA-8465CF1F550C}"/>
+    <pc:docChg chg="custSel modSld">
+      <pc:chgData name="Gerth Stølting Brodal" userId="04ef4784-6591-4f86-a140-f5c3b108582a" providerId="ADAL" clId="{A92BEAE8-2EDA-457D-83DA-8465CF1F550C}" dt="2022-03-22T06:00:45.248" v="55" actId="20577"/>
+      <pc:docMkLst>
+        <pc:docMk/>
+      </pc:docMkLst>
+      <pc:sldChg chg="modSp mod modNotesTx">
+        <pc:chgData name="Gerth Stølting Brodal" userId="04ef4784-6591-4f86-a140-f5c3b108582a" providerId="ADAL" clId="{A92BEAE8-2EDA-457D-83DA-8465CF1F550C}" dt="2022-03-22T06:00:45.248" v="55" actId="20577"/>
+        <pc:sldMkLst>
+          <pc:docMk/>
+          <pc:sldMk cId="907462681" sldId="764"/>
         </pc:sldMkLst>
       </pc:sldChg>
     </pc:docChg>
@@ -419,7 +378,7 @@
           <a:p>
             <a:fld id="{FB1A172F-81D4-4DC4-9113-1DBD56EC3646}" type="datetimeFigureOut">
               <a:rPr lang="en-US" smtClean="0"/>
-              <a:t>3/17/2024</a:t>
+              <a:t>3/12/2025</a:t>
             </a:fld>
             <a:endParaRPr lang="en-US"/>
           </a:p>
@@ -2251,7 +2210,7 @@
           <a:p>
             <a:fld id="{0560A9CD-0304-4E0B-9E82-E7E0115DE05B}" type="datetimeFigureOut">
               <a:rPr lang="en-US" smtClean="0"/>
-              <a:t>3/17/2024</a:t>
+              <a:t>3/12/2025</a:t>
             </a:fld>
             <a:endParaRPr lang="en-US"/>
           </a:p>
@@ -2419,7 +2378,7 @@
           <a:p>
             <a:fld id="{0560A9CD-0304-4E0B-9E82-E7E0115DE05B}" type="datetimeFigureOut">
               <a:rPr lang="en-US" smtClean="0"/>
-              <a:t>3/17/2024</a:t>
+              <a:t>3/12/2025</a:t>
             </a:fld>
             <a:endParaRPr lang="en-US"/>
           </a:p>
@@ -2597,7 +2556,7 @@
           <a:p>
             <a:fld id="{0560A9CD-0304-4E0B-9E82-E7E0115DE05B}" type="datetimeFigureOut">
               <a:rPr lang="en-US" smtClean="0"/>
-              <a:t>3/17/2024</a:t>
+              <a:t>3/12/2025</a:t>
             </a:fld>
             <a:endParaRPr lang="en-US"/>
           </a:p>
@@ -2780,7 +2739,7 @@
           <a:p>
             <a:fld id="{0560A9CD-0304-4E0B-9E82-E7E0115DE05B}" type="datetimeFigureOut">
               <a:rPr lang="en-US" smtClean="0"/>
-              <a:t>3/17/2024</a:t>
+              <a:t>3/12/2025</a:t>
             </a:fld>
             <a:endParaRPr lang="en-US"/>
           </a:p>
@@ -3025,7 +2984,7 @@
           <a:p>
             <a:fld id="{0560A9CD-0304-4E0B-9E82-E7E0115DE05B}" type="datetimeFigureOut">
               <a:rPr lang="en-US" smtClean="0"/>
-              <a:t>3/17/2024</a:t>
+              <a:t>3/12/2025</a:t>
             </a:fld>
             <a:endParaRPr lang="en-US"/>
           </a:p>
@@ -3254,7 +3213,7 @@
           <a:p>
             <a:fld id="{0560A9CD-0304-4E0B-9E82-E7E0115DE05B}" type="datetimeFigureOut">
               <a:rPr lang="en-US" smtClean="0"/>
-              <a:t>3/17/2024</a:t>
+              <a:t>3/12/2025</a:t>
             </a:fld>
             <a:endParaRPr lang="en-US"/>
           </a:p>
@@ -3618,7 +3577,7 @@
           <a:p>
             <a:fld id="{0560A9CD-0304-4E0B-9E82-E7E0115DE05B}" type="datetimeFigureOut">
               <a:rPr lang="en-US" smtClean="0"/>
-              <a:t>3/17/2024</a:t>
+              <a:t>3/12/2025</a:t>
             </a:fld>
             <a:endParaRPr lang="en-US"/>
           </a:p>
@@ -3735,7 +3694,7 @@
           <a:p>
             <a:fld id="{0560A9CD-0304-4E0B-9E82-E7E0115DE05B}" type="datetimeFigureOut">
               <a:rPr lang="en-US" smtClean="0"/>
-              <a:t>3/17/2024</a:t>
+              <a:t>3/12/2025</a:t>
             </a:fld>
             <a:endParaRPr lang="en-US"/>
           </a:p>
@@ -3830,7 +3789,7 @@
           <a:p>
             <a:fld id="{0560A9CD-0304-4E0B-9E82-E7E0115DE05B}" type="datetimeFigureOut">
               <a:rPr lang="en-US" smtClean="0"/>
-              <a:t>3/17/2024</a:t>
+              <a:t>3/12/2025</a:t>
             </a:fld>
             <a:endParaRPr lang="en-US"/>
           </a:p>
@@ -4105,7 +4064,7 @@
           <a:p>
             <a:fld id="{0560A9CD-0304-4E0B-9E82-E7E0115DE05B}" type="datetimeFigureOut">
               <a:rPr lang="en-US" smtClean="0"/>
-              <a:t>3/17/2024</a:t>
+              <a:t>3/12/2025</a:t>
             </a:fld>
             <a:endParaRPr lang="en-US"/>
           </a:p>
@@ -4357,7 +4316,7 @@
           <a:p>
             <a:fld id="{0560A9CD-0304-4E0B-9E82-E7E0115DE05B}" type="datetimeFigureOut">
               <a:rPr lang="en-US" smtClean="0"/>
-              <a:t>3/17/2024</a:t>
+              <a:t>3/12/2025</a:t>
             </a:fld>
             <a:endParaRPr lang="en-US"/>
           </a:p>
@@ -4568,7 +4527,7 @@
           <a:p>
             <a:fld id="{0560A9CD-0304-4E0B-9E82-E7E0115DE05B}" type="datetimeFigureOut">
               <a:rPr lang="en-US" smtClean="0"/>
-              <a:t>3/17/2024</a:t>
+              <a:t>3/12/2025</a:t>
             </a:fld>
             <a:endParaRPr lang="en-US"/>
           </a:p>
@@ -14778,14 +14737,14 @@
           <p:nvPr>
             <p:extLst>
               <p:ext uri="{D42A27DB-BD31-4B8C-83A1-F6EECF244321}">
-                <p14:modId xmlns:p14="http://schemas.microsoft.com/office/powerpoint/2010/main" val="4236222948"/>
+                <p14:modId xmlns:p14="http://schemas.microsoft.com/office/powerpoint/2010/main" val="2041876532"/>
               </p:ext>
             </p:extLst>
           </p:nvPr>
         </p:nvGraphicFramePr>
         <p:xfrm>
-          <a:off x="2254885" y="2545698"/>
-          <a:ext cx="7682230" cy="3332410"/>
+          <a:off x="2254885" y="2462568"/>
+          <a:ext cx="7682230" cy="3545770"/>
         </p:xfrm>
         <a:graphic>
           <a:graphicData uri="http://schemas.openxmlformats.org/drawingml/2006/table">
@@ -15388,6 +15347,41 @@
                           <a:cs typeface="Courier New" panose="02070309020205020404" pitchFamily="49" charset="0"/>
                         </a:rPr>
                         <a:t>'Donald Duck'</a:t>
+                      </a:r>
+                    </a:p>
+                    <a:p>
+                      <a:pPr marL="266700" marR="0" lvl="0" indent="-266700" algn="l" defTabSz="914400" rtl="0" eaLnBrk="1" fontAlgn="auto" latinLnBrk="0" hangingPunct="1">
+                        <a:lnSpc>
+                          <a:spcPct val="100000"/>
+                        </a:lnSpc>
+                        <a:spcBef>
+                          <a:spcPts val="0"/>
+                        </a:spcBef>
+                        <a:spcAft>
+                          <a:spcPts val="0"/>
+                        </a:spcAft>
+                        <a:buClr>
+                          <a:srgbClr val="C00000"/>
+                        </a:buClr>
+                        <a:buSzPct val="100000"/>
+                        <a:buFont typeface="Courier New" panose="02070309020205020404" pitchFamily="49" charset="0"/>
+                        <a:buChar char="&gt;"/>
+                        <a:tabLst/>
+                        <a:defRPr/>
+                      </a:pPr>
+                      <a:r>
+                        <a:rPr lang="en-US" sz="1400" b="1" dirty="0" err="1">
+                          <a:latin typeface="Courier New" panose="02070309020205020404" pitchFamily="49" charset="0"/>
+                          <a:cs typeface="Courier New" panose="02070309020205020404" pitchFamily="49" charset="0"/>
+                        </a:rPr>
+                        <a:t>person.height</a:t>
+                      </a:r>
+                      <a:r>
+                        <a:rPr lang="en-US" sz="1400" b="1" dirty="0">
+                          <a:latin typeface="Courier New" panose="02070309020205020404" pitchFamily="49" charset="0"/>
+                          <a:cs typeface="Courier New" panose="02070309020205020404" pitchFamily="49" charset="0"/>
+                        </a:rPr>
+                        <a:t> = '3.5 feet'</a:t>
                       </a:r>
                     </a:p>
                     <a:p>
@@ -15735,7 +15729,7 @@
           <p:nvPr>
             <p:extLst>
               <p:ext uri="{D42A27DB-BD31-4B8C-83A1-F6EECF244321}">
-                <p14:modId xmlns:p14="http://schemas.microsoft.com/office/powerpoint/2010/main" val="2301895491"/>
+                <p14:modId xmlns:p14="http://schemas.microsoft.com/office/powerpoint/2010/main" val="437447744"/>
               </p:ext>
             </p:extLst>
           </p:nvPr>
@@ -15961,21 +15955,7 @@
                           <a:latin typeface="Courier New" panose="02070309020205020404" pitchFamily="49" charset="0"/>
                           <a:cs typeface="Courier New" panose="02070309020205020404" pitchFamily="49" charset="0"/>
                         </a:rPr>
-                        <a:t>    </a:t>
-                      </a:r>
-                      <a:r>
-                        <a:rPr lang="en-US" sz="1600" b="1" dirty="0" err="1">
-                          <a:latin typeface="Courier New" panose="02070309020205020404" pitchFamily="49" charset="0"/>
-                          <a:cs typeface="Courier New" panose="02070309020205020404" pitchFamily="49" charset="0"/>
-                        </a:rPr>
-                        <a:t>def</a:t>
-                      </a:r>
-                      <a:r>
-                        <a:rPr lang="en-US" sz="1600" b="1" dirty="0">
-                          <a:latin typeface="Courier New" panose="02070309020205020404" pitchFamily="49" charset="0"/>
-                          <a:cs typeface="Courier New" panose="02070309020205020404" pitchFamily="49" charset="0"/>
-                        </a:rPr>
-                        <a:t> </a:t>
+                        <a:t>    def </a:t>
                       </a:r>
                       <a:r>
                         <a:rPr lang="en-US" sz="1600" b="1" dirty="0">
@@ -16021,11 +16001,18 @@
                         <a:t>(</a:t>
                       </a:r>
                       <a:r>
-                        <a:rPr lang="en-US" sz="1600" b="1" dirty="0" err="1">
-                          <a:latin typeface="Courier New" panose="02070309020205020404" pitchFamily="49" charset="0"/>
-                          <a:cs typeface="Courier New" panose="02070309020205020404" pitchFamily="49" charset="0"/>
-                        </a:rPr>
-                        <a:t>self,name</a:t>
+                        <a:rPr lang="en-US" sz="1600" b="1" err="1">
+                          <a:latin typeface="Courier New" panose="02070309020205020404" pitchFamily="49" charset="0"/>
+                          <a:cs typeface="Courier New" panose="02070309020205020404" pitchFamily="49" charset="0"/>
+                        </a:rPr>
+                        <a:t>self</a:t>
+                      </a:r>
+                      <a:r>
+                        <a:rPr lang="en-US" sz="1600" b="1">
+                          <a:latin typeface="Courier New" panose="02070309020205020404" pitchFamily="49" charset="0"/>
+                          <a:cs typeface="Courier New" panose="02070309020205020404" pitchFamily="49" charset="0"/>
+                        </a:rPr>
+                        <a:t>, name</a:t>
                       </a:r>
                       <a:r>
                         <a:rPr lang="en-US" sz="1600" b="1" dirty="0">

--- a/ipsa/slides/decorators.pptx
+++ b/ipsa/slides/decorators.pptx
@@ -251,14 +251,6 @@
           <pc:docMk/>
           <pc:sldMk cId="752883233" sldId="719"/>
         </pc:sldMkLst>
-        <pc:graphicFrameChg chg="modGraphic">
-          <ac:chgData name="Gerth Stølting Brodal" userId="04ef4784-6591-4f86-a140-f5c3b108582a" providerId="ADAL" clId="{C2B8204D-0016-411F-AD09-B5777711474B}" dt="2025-03-12T19:06:07.315" v="88" actId="20577"/>
-          <ac:graphicFrameMkLst>
-            <pc:docMk/>
-            <pc:sldMk cId="752883233" sldId="719"/>
-            <ac:graphicFrameMk id="4" creationId="{00000000-0000-0000-0000-000000000000}"/>
-          </ac:graphicFrameMkLst>
-        </pc:graphicFrameChg>
       </pc:sldChg>
       <pc:sldChg chg="modSp mod addAnim delAnim">
         <pc:chgData name="Gerth Stølting Brodal" userId="04ef4784-6591-4f86-a140-f5c3b108582a" providerId="ADAL" clId="{C2B8204D-0016-411F-AD09-B5777711474B}" dt="2025-03-12T16:16:06.796" v="87" actId="20577"/>
@@ -266,12 +258,28 @@
           <pc:docMk/>
           <pc:sldMk cId="128484377" sldId="763"/>
         </pc:sldMkLst>
-        <pc:graphicFrameChg chg="mod modGraphic">
-          <ac:chgData name="Gerth Stølting Brodal" userId="04ef4784-6591-4f86-a140-f5c3b108582a" providerId="ADAL" clId="{C2B8204D-0016-411F-AD09-B5777711474B}" dt="2025-03-12T16:16:06.796" v="87" actId="20577"/>
+      </pc:sldChg>
+    </pc:docChg>
+  </pc:docChgLst>
+  <pc:docChgLst>
+    <pc:chgData name="Gerth Stølting Brodal" userId="04ef4784-6591-4f86-a140-f5c3b108582a" providerId="ADAL" clId="{27124F44-A0F7-408A-AA2B-2C5136C1DC06}"/>
+    <pc:docChg chg="modSld">
+      <pc:chgData name="Gerth Stølting Brodal" userId="04ef4784-6591-4f86-a140-f5c3b108582a" providerId="ADAL" clId="{27124F44-A0F7-408A-AA2B-2C5136C1DC06}" dt="2025-10-24T23:36:49.212" v="0" actId="6549"/>
+      <pc:docMkLst>
+        <pc:docMk/>
+      </pc:docMkLst>
+      <pc:sldChg chg="modSp mod">
+        <pc:chgData name="Gerth Stølting Brodal" userId="04ef4784-6591-4f86-a140-f5c3b108582a" providerId="ADAL" clId="{27124F44-A0F7-408A-AA2B-2C5136C1DC06}" dt="2025-10-24T23:36:49.212" v="0" actId="6549"/>
+        <pc:sldMkLst>
+          <pc:docMk/>
+          <pc:sldMk cId="1387994146" sldId="762"/>
+        </pc:sldMkLst>
+        <pc:graphicFrameChg chg="modGraphic">
+          <ac:chgData name="Gerth Stølting Brodal" userId="04ef4784-6591-4f86-a140-f5c3b108582a" providerId="ADAL" clId="{27124F44-A0F7-408A-AA2B-2C5136C1DC06}" dt="2025-10-24T23:36:49.212" v="0" actId="6549"/>
           <ac:graphicFrameMkLst>
             <pc:docMk/>
-            <pc:sldMk cId="128484377" sldId="763"/>
-            <ac:graphicFrameMk id="8" creationId="{00000000-0000-0000-0000-000000000000}"/>
+            <pc:sldMk cId="1387994146" sldId="762"/>
+            <ac:graphicFrameMk id="4" creationId="{00000000-0000-0000-0000-000000000000}"/>
           </ac:graphicFrameMkLst>
         </pc:graphicFrameChg>
       </pc:sldChg>
@@ -378,7 +386,7 @@
           <a:p>
             <a:fld id="{FB1A172F-81D4-4DC4-9113-1DBD56EC3646}" type="datetimeFigureOut">
               <a:rPr lang="en-US" smtClean="0"/>
-              <a:t>3/12/2025</a:t>
+              <a:t>10/25/2025</a:t>
             </a:fld>
             <a:endParaRPr lang="en-US"/>
           </a:p>
@@ -2210,7 +2218,7 @@
           <a:p>
             <a:fld id="{0560A9CD-0304-4E0B-9E82-E7E0115DE05B}" type="datetimeFigureOut">
               <a:rPr lang="en-US" smtClean="0"/>
-              <a:t>3/12/2025</a:t>
+              <a:t>10/25/2025</a:t>
             </a:fld>
             <a:endParaRPr lang="en-US"/>
           </a:p>
@@ -2378,7 +2386,7 @@
           <a:p>
             <a:fld id="{0560A9CD-0304-4E0B-9E82-E7E0115DE05B}" type="datetimeFigureOut">
               <a:rPr lang="en-US" smtClean="0"/>
-              <a:t>3/12/2025</a:t>
+              <a:t>10/25/2025</a:t>
             </a:fld>
             <a:endParaRPr lang="en-US"/>
           </a:p>
@@ -2556,7 +2564,7 @@
           <a:p>
             <a:fld id="{0560A9CD-0304-4E0B-9E82-E7E0115DE05B}" type="datetimeFigureOut">
               <a:rPr lang="en-US" smtClean="0"/>
-              <a:t>3/12/2025</a:t>
+              <a:t>10/25/2025</a:t>
             </a:fld>
             <a:endParaRPr lang="en-US"/>
           </a:p>
@@ -2739,7 +2747,7 @@
           <a:p>
             <a:fld id="{0560A9CD-0304-4E0B-9E82-E7E0115DE05B}" type="datetimeFigureOut">
               <a:rPr lang="en-US" smtClean="0"/>
-              <a:t>3/12/2025</a:t>
+              <a:t>10/25/2025</a:t>
             </a:fld>
             <a:endParaRPr lang="en-US"/>
           </a:p>
@@ -2984,7 +2992,7 @@
           <a:p>
             <a:fld id="{0560A9CD-0304-4E0B-9E82-E7E0115DE05B}" type="datetimeFigureOut">
               <a:rPr lang="en-US" smtClean="0"/>
-              <a:t>3/12/2025</a:t>
+              <a:t>10/25/2025</a:t>
             </a:fld>
             <a:endParaRPr lang="en-US"/>
           </a:p>
@@ -3213,7 +3221,7 @@
           <a:p>
             <a:fld id="{0560A9CD-0304-4E0B-9E82-E7E0115DE05B}" type="datetimeFigureOut">
               <a:rPr lang="en-US" smtClean="0"/>
-              <a:t>3/12/2025</a:t>
+              <a:t>10/25/2025</a:t>
             </a:fld>
             <a:endParaRPr lang="en-US"/>
           </a:p>
@@ -3577,7 +3585,7 @@
           <a:p>
             <a:fld id="{0560A9CD-0304-4E0B-9E82-E7E0115DE05B}" type="datetimeFigureOut">
               <a:rPr lang="en-US" smtClean="0"/>
-              <a:t>3/12/2025</a:t>
+              <a:t>10/25/2025</a:t>
             </a:fld>
             <a:endParaRPr lang="en-US"/>
           </a:p>
@@ -3694,7 +3702,7 @@
           <a:p>
             <a:fld id="{0560A9CD-0304-4E0B-9E82-E7E0115DE05B}" type="datetimeFigureOut">
               <a:rPr lang="en-US" smtClean="0"/>
-              <a:t>3/12/2025</a:t>
+              <a:t>10/25/2025</a:t>
             </a:fld>
             <a:endParaRPr lang="en-US"/>
           </a:p>
@@ -3789,7 +3797,7 @@
           <a:p>
             <a:fld id="{0560A9CD-0304-4E0B-9E82-E7E0115DE05B}" type="datetimeFigureOut">
               <a:rPr lang="en-US" smtClean="0"/>
-              <a:t>3/12/2025</a:t>
+              <a:t>10/25/2025</a:t>
             </a:fld>
             <a:endParaRPr lang="en-US"/>
           </a:p>
@@ -4064,7 +4072,7 @@
           <a:p>
             <a:fld id="{0560A9CD-0304-4E0B-9E82-E7E0115DE05B}" type="datetimeFigureOut">
               <a:rPr lang="en-US" smtClean="0"/>
-              <a:t>3/12/2025</a:t>
+              <a:t>10/25/2025</a:t>
             </a:fld>
             <a:endParaRPr lang="en-US"/>
           </a:p>
@@ -4316,7 +4324,7 @@
           <a:p>
             <a:fld id="{0560A9CD-0304-4E0B-9E82-E7E0115DE05B}" type="datetimeFigureOut">
               <a:rPr lang="en-US" smtClean="0"/>
-              <a:t>3/12/2025</a:t>
+              <a:t>10/25/2025</a:t>
             </a:fld>
             <a:endParaRPr lang="en-US"/>
           </a:p>
@@ -4527,7 +4535,7 @@
           <a:p>
             <a:fld id="{0560A9CD-0304-4E0B-9E82-E7E0115DE05B}" type="datetimeFigureOut">
               <a:rPr lang="en-US" smtClean="0"/>
-              <a:t>3/12/2025</a:t>
+              <a:t>10/25/2025</a:t>
             </a:fld>
             <a:endParaRPr lang="en-US"/>
           </a:p>
@@ -5206,7 +5214,7 @@
           <p:nvPr>
             <p:extLst>
               <p:ext uri="{D42A27DB-BD31-4B8C-83A1-F6EECF244321}">
-                <p14:modId xmlns:p14="http://schemas.microsoft.com/office/powerpoint/2010/main" val="3115950439"/>
+                <p14:modId xmlns:p14="http://schemas.microsoft.com/office/powerpoint/2010/main" val="2608378043"/>
               </p:ext>
             </p:extLst>
           </p:nvPr>
@@ -5241,7 +5249,21 @@
                           <a:latin typeface="Courier New" panose="02070309020205020404" pitchFamily="49" charset="0"/>
                           <a:cs typeface="Courier New" panose="02070309020205020404" pitchFamily="49" charset="0"/>
                         </a:rPr>
-                        <a:t>decorator_quizz.py</a:t>
+                        <a:t>decorator</a:t>
+                      </a:r>
+                      <a:r>
+                        <a:rPr lang="da-DK" sz="1800" b="1">
+                          <a:latin typeface="Courier New" panose="02070309020205020404" pitchFamily="49" charset="0"/>
+                          <a:cs typeface="Courier New" panose="02070309020205020404" pitchFamily="49" charset="0"/>
+                        </a:rPr>
+                        <a:t>_quiz.</a:t>
+                      </a:r>
+                      <a:r>
+                        <a:rPr lang="da-DK" sz="1800" b="1" dirty="0">
+                          <a:latin typeface="Courier New" panose="02070309020205020404" pitchFamily="49" charset="0"/>
+                          <a:cs typeface="Courier New" panose="02070309020205020404" pitchFamily="49" charset="0"/>
+                        </a:rPr>
+                        <a:t>py</a:t>
                       </a:r>
                     </a:p>
                   </a:txBody>

--- a/ipsa/slides/decorators.pptx
+++ b/ipsa/slides/decorators.pptx
@@ -264,16 +264,24 @@
   <pc:docChgLst>
     <pc:chgData name="Gerth Stølting Brodal" userId="04ef4784-6591-4f86-a140-f5c3b108582a" providerId="ADAL" clId="{27124F44-A0F7-408A-AA2B-2C5136C1DC06}"/>
     <pc:docChg chg="modSld">
-      <pc:chgData name="Gerth Stølting Brodal" userId="04ef4784-6591-4f86-a140-f5c3b108582a" providerId="ADAL" clId="{27124F44-A0F7-408A-AA2B-2C5136C1DC06}" dt="2025-10-24T23:36:49.212" v="0" actId="6549"/>
+      <pc:chgData name="Gerth Stølting Brodal" userId="04ef4784-6591-4f86-a140-f5c3b108582a" providerId="ADAL" clId="{27124F44-A0F7-408A-AA2B-2C5136C1DC06}" dt="2025-10-27T18:33:34.244" v="2" actId="962"/>
       <pc:docMkLst>
         <pc:docMk/>
       </pc:docMkLst>
       <pc:sldChg chg="modSp mod">
-        <pc:chgData name="Gerth Stølting Brodal" userId="04ef4784-6591-4f86-a140-f5c3b108582a" providerId="ADAL" clId="{27124F44-A0F7-408A-AA2B-2C5136C1DC06}" dt="2025-10-24T23:36:49.212" v="0" actId="6549"/>
+        <pc:chgData name="Gerth Stølting Brodal" userId="04ef4784-6591-4f86-a140-f5c3b108582a" providerId="ADAL" clId="{27124F44-A0F7-408A-AA2B-2C5136C1DC06}" dt="2025-10-27T18:33:34.244" v="2" actId="962"/>
         <pc:sldMkLst>
           <pc:docMk/>
           <pc:sldMk cId="1387994146" sldId="762"/>
         </pc:sldMkLst>
+        <pc:spChg chg="mod">
+          <ac:chgData name="Gerth Stølting Brodal" userId="04ef4784-6591-4f86-a140-f5c3b108582a" providerId="ADAL" clId="{27124F44-A0F7-408A-AA2B-2C5136C1DC06}" dt="2025-10-27T18:33:34.244" v="2" actId="962"/>
+          <ac:spMkLst>
+            <pc:docMk/>
+            <pc:sldMk cId="1387994146" sldId="762"/>
+            <ac:spMk id="5" creationId="{00000000-0000-0000-0000-000000000000}"/>
+          </ac:spMkLst>
+        </pc:spChg>
         <pc:graphicFrameChg chg="modGraphic">
           <ac:chgData name="Gerth Stølting Brodal" userId="04ef4784-6591-4f86-a140-f5c3b108582a" providerId="ADAL" clId="{27124F44-A0F7-408A-AA2B-2C5136C1DC06}" dt="2025-10-24T23:36:49.212" v="0" actId="6549"/>
           <ac:graphicFrameMkLst>
@@ -386,7 +394,7 @@
           <a:p>
             <a:fld id="{FB1A172F-81D4-4DC4-9113-1DBD56EC3646}" type="datetimeFigureOut">
               <a:rPr lang="en-US" smtClean="0"/>
-              <a:t>10/25/2025</a:t>
+              <a:t>10/27/2025</a:t>
             </a:fld>
             <a:endParaRPr lang="en-US"/>
           </a:p>
@@ -2218,7 +2226,7 @@
           <a:p>
             <a:fld id="{0560A9CD-0304-4E0B-9E82-E7E0115DE05B}" type="datetimeFigureOut">
               <a:rPr lang="en-US" smtClean="0"/>
-              <a:t>10/25/2025</a:t>
+              <a:t>10/27/2025</a:t>
             </a:fld>
             <a:endParaRPr lang="en-US"/>
           </a:p>
@@ -2386,7 +2394,7 @@
           <a:p>
             <a:fld id="{0560A9CD-0304-4E0B-9E82-E7E0115DE05B}" type="datetimeFigureOut">
               <a:rPr lang="en-US" smtClean="0"/>
-              <a:t>10/25/2025</a:t>
+              <a:t>10/27/2025</a:t>
             </a:fld>
             <a:endParaRPr lang="en-US"/>
           </a:p>
@@ -2564,7 +2572,7 @@
           <a:p>
             <a:fld id="{0560A9CD-0304-4E0B-9E82-E7E0115DE05B}" type="datetimeFigureOut">
               <a:rPr lang="en-US" smtClean="0"/>
-              <a:t>10/25/2025</a:t>
+              <a:t>10/27/2025</a:t>
             </a:fld>
             <a:endParaRPr lang="en-US"/>
           </a:p>
@@ -2747,7 +2755,7 @@
           <a:p>
             <a:fld id="{0560A9CD-0304-4E0B-9E82-E7E0115DE05B}" type="datetimeFigureOut">
               <a:rPr lang="en-US" smtClean="0"/>
-              <a:t>10/25/2025</a:t>
+              <a:t>10/27/2025</a:t>
             </a:fld>
             <a:endParaRPr lang="en-US"/>
           </a:p>
@@ -2992,7 +3000,7 @@
           <a:p>
             <a:fld id="{0560A9CD-0304-4E0B-9E82-E7E0115DE05B}" type="datetimeFigureOut">
               <a:rPr lang="en-US" smtClean="0"/>
-              <a:t>10/25/2025</a:t>
+              <a:t>10/27/2025</a:t>
             </a:fld>
             <a:endParaRPr lang="en-US"/>
           </a:p>
@@ -3221,7 +3229,7 @@
           <a:p>
             <a:fld id="{0560A9CD-0304-4E0B-9E82-E7E0115DE05B}" type="datetimeFigureOut">
               <a:rPr lang="en-US" smtClean="0"/>
-              <a:t>10/25/2025</a:t>
+              <a:t>10/27/2025</a:t>
             </a:fld>
             <a:endParaRPr lang="en-US"/>
           </a:p>
@@ -3585,7 +3593,7 @@
           <a:p>
             <a:fld id="{0560A9CD-0304-4E0B-9E82-E7E0115DE05B}" type="datetimeFigureOut">
               <a:rPr lang="en-US" smtClean="0"/>
-              <a:t>10/25/2025</a:t>
+              <a:t>10/27/2025</a:t>
             </a:fld>
             <a:endParaRPr lang="en-US"/>
           </a:p>
@@ -3702,7 +3710,7 @@
           <a:p>
             <a:fld id="{0560A9CD-0304-4E0B-9E82-E7E0115DE05B}" type="datetimeFigureOut">
               <a:rPr lang="en-US" smtClean="0"/>
-              <a:t>10/25/2025</a:t>
+              <a:t>10/27/2025</a:t>
             </a:fld>
             <a:endParaRPr lang="en-US"/>
           </a:p>
@@ -3797,7 +3805,7 @@
           <a:p>
             <a:fld id="{0560A9CD-0304-4E0B-9E82-E7E0115DE05B}" type="datetimeFigureOut">
               <a:rPr lang="en-US" smtClean="0"/>
-              <a:t>10/25/2025</a:t>
+              <a:t>10/27/2025</a:t>
             </a:fld>
             <a:endParaRPr lang="en-US"/>
           </a:p>
@@ -4072,7 +4080,7 @@
           <a:p>
             <a:fld id="{0560A9CD-0304-4E0B-9E82-E7E0115DE05B}" type="datetimeFigureOut">
               <a:rPr lang="en-US" smtClean="0"/>
-              <a:t>10/25/2025</a:t>
+              <a:t>10/27/2025</a:t>
             </a:fld>
             <a:endParaRPr lang="en-US"/>
           </a:p>
@@ -4324,7 +4332,7 @@
           <a:p>
             <a:fld id="{0560A9CD-0304-4E0B-9E82-E7E0115DE05B}" type="datetimeFigureOut">
               <a:rPr lang="en-US" smtClean="0"/>
-              <a:t>10/25/2025</a:t>
+              <a:t>10/27/2025</a:t>
             </a:fld>
             <a:endParaRPr lang="en-US"/>
           </a:p>
@@ -4535,7 +4543,7 @@
           <a:p>
             <a:fld id="{0560A9CD-0304-4E0B-9E82-E7E0115DE05B}" type="datetimeFigureOut">
               <a:rPr lang="en-US" smtClean="0"/>
-              <a:t>10/25/2025</a:t>
+              <a:t>10/27/2025</a:t>
             </a:fld>
             <a:endParaRPr lang="en-US"/>
           </a:p>
@@ -5538,7 +5546,7 @@
       </p:graphicFrame>
       <p:sp>
         <p:nvSpPr>
-          <p:cNvPr id="5" name="Smiley Face 4"/>
+          <p:cNvPr id="5" name="Smiley Face 4" descr="QuizAnswer"/>
           <p:cNvSpPr/>
           <p:nvPr/>
         </p:nvSpPr>
